--- a/Cammi's work/Finalist Final for Final Presentation.pptx
+++ b/Cammi's work/Finalist Final for Final Presentation.pptx
@@ -4999,7 +4999,7 @@
           <p:cNvPr id="11" name="slide11">
             <a:extLst>
               <a:ext uri="{FF2B5EF4-FFF2-40B4-BE49-F238E27FC236}">
-                <a16:creationId xmlns:a16="http://schemas.microsoft.com/office/drawing/2014/main" id="{BA217929-396F-4A61-879E-841F36FFD2CE}"/>
+                <a16:creationId xmlns:a16="http://schemas.microsoft.com/office/drawing/2014/main" id="{9591AFB5-564A-44BE-AC7F-4978367A2614}"/>
               </a:ext>
             </a:extLst>
           </p:cNvPr>
@@ -5022,8 +5022,8 @@
         </p:blipFill>
         <p:spPr>
           <a:xfrm>
-            <a:off x="5324475" y="1909762"/>
-            <a:ext cx="1543050" cy="3038475"/>
+            <a:off x="1323975" y="719137"/>
+            <a:ext cx="9544050" cy="5419725"/>
           </a:xfrm>
           <a:prstGeom prst="rect">
             <a:avLst/>
@@ -5033,7 +5033,7 @@
     </p:spTree>
     <p:extLst>
       <p:ext uri="{BB962C8B-B14F-4D97-AF65-F5344CB8AC3E}">
-        <p14:creationId xmlns:p14="http://schemas.microsoft.com/office/powerpoint/2010/main" val="95992585"/>
+        <p14:creationId xmlns:p14="http://schemas.microsoft.com/office/powerpoint/2010/main" val="2731790437"/>
       </p:ext>
     </p:extLst>
   </p:cSld>

--- a/Cammi's work/Finalist Final for Final Presentation.pptx
+++ b/Cammi's work/Finalist Final for Final Presentation.pptx
@@ -233,7 +233,7 @@
           <a:p>
             <a:fld id="{ED4BBC1E-33BF-4A4D-ACF7-1B5E8337EDBE}" type="datetimeFigureOut">
               <a:rPr lang="en-US" smtClean="0"/>
-              <a:t>5/14/2019</a:t>
+              <a:t>5/15/2019</a:t>
             </a:fld>
             <a:endParaRPr lang="en-US"/>
           </a:p>
@@ -647,7 +647,7 @@
           <a:p>
             <a:fld id="{EED1C14C-A143-42F5-B247-D0E800131009}" type="datetimeFigureOut">
               <a:rPr lang="en-US" smtClean="0"/>
-              <a:t>5/14/2019</a:t>
+              <a:t>5/15/2019</a:t>
             </a:fld>
             <a:endParaRPr lang="en-US"/>
           </a:p>
@@ -845,7 +845,7 @@
           <a:p>
             <a:fld id="{EED1C14C-A143-42F5-B247-D0E800131009}" type="datetimeFigureOut">
               <a:rPr lang="en-US" smtClean="0"/>
-              <a:t>5/14/2019</a:t>
+              <a:t>5/15/2019</a:t>
             </a:fld>
             <a:endParaRPr lang="en-US"/>
           </a:p>
@@ -1053,7 +1053,7 @@
           <a:p>
             <a:fld id="{EED1C14C-A143-42F5-B247-D0E800131009}" type="datetimeFigureOut">
               <a:rPr lang="en-US" smtClean="0"/>
-              <a:t>5/14/2019</a:t>
+              <a:t>5/15/2019</a:t>
             </a:fld>
             <a:endParaRPr lang="en-US"/>
           </a:p>
@@ -1251,7 +1251,7 @@
           <a:p>
             <a:fld id="{EED1C14C-A143-42F5-B247-D0E800131009}" type="datetimeFigureOut">
               <a:rPr lang="en-US" smtClean="0"/>
-              <a:t>5/14/2019</a:t>
+              <a:t>5/15/2019</a:t>
             </a:fld>
             <a:endParaRPr lang="en-US"/>
           </a:p>
@@ -1526,7 +1526,7 @@
           <a:p>
             <a:fld id="{EED1C14C-A143-42F5-B247-D0E800131009}" type="datetimeFigureOut">
               <a:rPr lang="en-US" smtClean="0"/>
-              <a:t>5/14/2019</a:t>
+              <a:t>5/15/2019</a:t>
             </a:fld>
             <a:endParaRPr lang="en-US"/>
           </a:p>
@@ -1791,7 +1791,7 @@
           <a:p>
             <a:fld id="{EED1C14C-A143-42F5-B247-D0E800131009}" type="datetimeFigureOut">
               <a:rPr lang="en-US" smtClean="0"/>
-              <a:t>5/14/2019</a:t>
+              <a:t>5/15/2019</a:t>
             </a:fld>
             <a:endParaRPr lang="en-US"/>
           </a:p>
@@ -2203,7 +2203,7 @@
           <a:p>
             <a:fld id="{EED1C14C-A143-42F5-B247-D0E800131009}" type="datetimeFigureOut">
               <a:rPr lang="en-US" smtClean="0"/>
-              <a:t>5/14/2019</a:t>
+              <a:t>5/15/2019</a:t>
             </a:fld>
             <a:endParaRPr lang="en-US"/>
           </a:p>
@@ -2344,7 +2344,7 @@
           <a:p>
             <a:fld id="{EED1C14C-A143-42F5-B247-D0E800131009}" type="datetimeFigureOut">
               <a:rPr lang="en-US" smtClean="0"/>
-              <a:t>5/14/2019</a:t>
+              <a:t>5/15/2019</a:t>
             </a:fld>
             <a:endParaRPr lang="en-US"/>
           </a:p>
@@ -2457,7 +2457,7 @@
           <a:p>
             <a:fld id="{EED1C14C-A143-42F5-B247-D0E800131009}" type="datetimeFigureOut">
               <a:rPr lang="en-US" smtClean="0"/>
-              <a:t>5/14/2019</a:t>
+              <a:t>5/15/2019</a:t>
             </a:fld>
             <a:endParaRPr lang="en-US"/>
           </a:p>
@@ -2768,7 +2768,7 @@
           <a:p>
             <a:fld id="{EED1C14C-A143-42F5-B247-D0E800131009}" type="datetimeFigureOut">
               <a:rPr lang="en-US" smtClean="0"/>
-              <a:t>5/14/2019</a:t>
+              <a:t>5/15/2019</a:t>
             </a:fld>
             <a:endParaRPr lang="en-US"/>
           </a:p>
@@ -3056,7 +3056,7 @@
           <a:p>
             <a:fld id="{EED1C14C-A143-42F5-B247-D0E800131009}" type="datetimeFigureOut">
               <a:rPr lang="en-US" smtClean="0"/>
-              <a:t>5/14/2019</a:t>
+              <a:t>5/15/2019</a:t>
             </a:fld>
             <a:endParaRPr lang="en-US"/>
           </a:p>
@@ -3297,7 +3297,7 @@
           <a:p>
             <a:fld id="{EED1C14C-A143-42F5-B247-D0E800131009}" type="datetimeFigureOut">
               <a:rPr lang="en-US" smtClean="0"/>
-              <a:t>5/14/2019</a:t>
+              <a:t>5/15/2019</a:t>
             </a:fld>
             <a:endParaRPr lang="en-US"/>
           </a:p>
@@ -4017,7 +4017,7 @@
         </p:blipFill>
         <p:spPr>
           <a:xfrm>
-            <a:off x="6246819" y="1170915"/>
+            <a:off x="6257706" y="1147704"/>
             <a:ext cx="2648371" cy="2327077"/>
           </a:xfrm>
           <a:prstGeom prst="rect">
@@ -4204,7 +4204,7 @@
         </p:blipFill>
         <p:spPr>
           <a:xfrm>
-            <a:off x="9170184" y="1030005"/>
+            <a:off x="9170184" y="1119308"/>
             <a:ext cx="2497208" cy="2467220"/>
           </a:xfrm>
           <a:prstGeom prst="rect">
@@ -4343,7 +4343,7 @@
         </p:blipFill>
         <p:spPr>
           <a:xfrm>
-            <a:off x="3300182" y="1147704"/>
+            <a:off x="3345227" y="1131208"/>
             <a:ext cx="2648372" cy="2317690"/>
           </a:xfrm>
           <a:prstGeom prst="rect">
@@ -4728,7 +4728,7 @@
         </p:blipFill>
         <p:spPr>
           <a:xfrm>
-            <a:off x="320041" y="938097"/>
+            <a:off x="308938" y="979127"/>
             <a:ext cx="2659472" cy="2736905"/>
           </a:xfrm>
           <a:prstGeom prst="rect">

--- a/Cammi's work/Finalist Final for Final Presentation.pptx
+++ b/Cammi's work/Finalist Final for Final Presentation.pptx
@@ -9,16 +9,16 @@
   </p:notesMasterIdLst>
   <p:sldIdLst>
     <p:sldId id="256" r:id="rId2"/>
-    <p:sldId id="257" r:id="rId3"/>
-    <p:sldId id="284" r:id="rId4"/>
-    <p:sldId id="283" r:id="rId5"/>
-    <p:sldId id="266" r:id="rId6"/>
-    <p:sldId id="267" r:id="rId7"/>
-    <p:sldId id="268" r:id="rId8"/>
-    <p:sldId id="279" r:id="rId9"/>
-    <p:sldId id="280" r:id="rId10"/>
-    <p:sldId id="281" r:id="rId11"/>
-    <p:sldId id="282" r:id="rId12"/>
+    <p:sldId id="298" r:id="rId3"/>
+    <p:sldId id="299" r:id="rId4"/>
+    <p:sldId id="257" r:id="rId5"/>
+    <p:sldId id="283" r:id="rId6"/>
+    <p:sldId id="290" r:id="rId7"/>
+    <p:sldId id="292" r:id="rId8"/>
+    <p:sldId id="294" r:id="rId9"/>
+    <p:sldId id="295" r:id="rId10"/>
+    <p:sldId id="296" r:id="rId11"/>
+    <p:sldId id="297" r:id="rId12"/>
   </p:sldIdLst>
   <p:sldSz cx="12192000" cy="6858000"/>
   <p:notesSz cx="6858000" cy="9144000"/>
@@ -3736,8 +3736,10 @@
           <a:lstStyle/>
           <a:p>
             <a:r>
-              <a:t>Final Graphs</a:t>
-            </a:r>
+              <a:rPr lang="en-US" dirty="0"/>
+              <a:t>Honey Bunches of A**</a:t>
+            </a:r>
+            <a:endParaRPr dirty="0"/>
           </a:p>
         </p:txBody>
       </p:sp>
@@ -3763,8 +3765,16 @@
           <a:lstStyle/>
           <a:p>
             <a:r>
-              <a:t>File created on: 5/14/2019 7:46:30 PM</a:t>
-            </a:r>
+              <a:rPr lang="en-US" dirty="0"/>
+              <a:t>You laughed, admit it </a:t>
+            </a:r>
+            <a:r>
+              <a:rPr lang="en-US" dirty="0">
+                <a:sym typeface="Wingdings" panose="05000000000000000000" pitchFamily="2" charset="2"/>
+              </a:rPr>
+              <a:t></a:t>
+            </a:r>
+            <a:endParaRPr dirty="0"/>
           </a:p>
         </p:txBody>
       </p:sp>
@@ -3784,6 +3794,14 @@
 <file path=ppt/slides/slide10.xml><?xml version="1.0" encoding="utf-8"?>
 <p:sld xmlns:a="http://schemas.openxmlformats.org/drawingml/2006/main" xmlns:r="http://schemas.openxmlformats.org/officeDocument/2006/relationships" xmlns:p="http://schemas.openxmlformats.org/presentationml/2006/main">
   <p:cSld>
+    <p:bg>
+      <p:bgPr>
+        <a:solidFill>
+          <a:schemeClr val="bg1"/>
+        </a:solidFill>
+        <a:effectLst/>
+      </p:bgPr>
+    </p:bg>
     <p:spTree>
       <p:nvGrpSpPr>
         <p:cNvPr id="1" name=""/>
@@ -3798,12 +3816,197 @@
           <a:chExt cx="0" cy="0"/>
         </a:xfrm>
       </p:grpSpPr>
+      <p:sp>
+        <p:nvSpPr>
+          <p:cNvPr id="33" name="Rectangle 32">
+            <a:extLst>
+              <a:ext uri="{FF2B5EF4-FFF2-40B4-BE49-F238E27FC236}">
+                <a16:creationId xmlns:a16="http://schemas.microsoft.com/office/drawing/2014/main" id="{6753252F-4873-4F63-801D-CC719279A7D5}"/>
+              </a:ext>
+              <a:ext uri="{C183D7F6-B498-43B3-948B-1728B52AA6E4}">
+                <adec:decorative xmlns:adec="http://schemas.microsoft.com/office/drawing/2017/decorative" val="1"/>
+              </a:ext>
+            </a:extLst>
+          </p:cNvPr>
+          <p:cNvSpPr>
+            <a:spLocks noGrp="1" noRot="1" noChangeAspect="1" noMove="1" noResize="1" noEditPoints="1" noAdjustHandles="1" noChangeArrowheads="1" noChangeShapeType="1" noTextEdit="1"/>
+          </p:cNvSpPr>
+          <p:nvPr>
+            <p:extLst>
+              <p:ext uri="{386F3935-93C4-4BCD-93E2-E3B085C9AB24}">
+                <p16:designElem xmlns:p16="http://schemas.microsoft.com/office/powerpoint/2015/main" val="1"/>
+              </p:ext>
+            </p:extLst>
+          </p:nvPr>
+        </p:nvSpPr>
+        <p:spPr>
+          <a:xfrm>
+            <a:off x="0" y="0"/>
+            <a:ext cx="12192000" cy="6858000"/>
+          </a:xfrm>
+          <a:prstGeom prst="rect">
+            <a:avLst/>
+          </a:prstGeom>
+          <a:solidFill>
+            <a:srgbClr val="FFFFFF"/>
+          </a:solidFill>
+          <a:ln>
+            <a:noFill/>
+          </a:ln>
+        </p:spPr>
+        <p:style>
+          <a:lnRef idx="2">
+            <a:schemeClr val="accent1">
+              <a:shade val="50000"/>
+            </a:schemeClr>
+          </a:lnRef>
+          <a:fillRef idx="1">
+            <a:schemeClr val="accent1"/>
+          </a:fillRef>
+          <a:effectRef idx="0">
+            <a:schemeClr val="accent1"/>
+          </a:effectRef>
+          <a:fontRef idx="minor">
+            <a:schemeClr val="lt1"/>
+          </a:fontRef>
+        </p:style>
+        <p:txBody>
+          <a:bodyPr rtlCol="0" anchor="ctr"/>
+          <a:lstStyle/>
+          <a:p>
+            <a:pPr algn="ctr"/>
+            <a:endParaRPr lang="en-US"/>
+          </a:p>
+        </p:txBody>
+      </p:sp>
+      <p:sp>
+        <p:nvSpPr>
+          <p:cNvPr id="35" name="Rectangle 34">
+            <a:extLst>
+              <a:ext uri="{FF2B5EF4-FFF2-40B4-BE49-F238E27FC236}">
+                <a16:creationId xmlns:a16="http://schemas.microsoft.com/office/drawing/2014/main" id="{047C8CCB-F95D-4249-92DD-651249D3535A}"/>
+              </a:ext>
+              <a:ext uri="{C183D7F6-B498-43B3-948B-1728B52AA6E4}">
+                <adec:decorative xmlns:adec="http://schemas.microsoft.com/office/drawing/2017/decorative" val="1"/>
+              </a:ext>
+            </a:extLst>
+          </p:cNvPr>
+          <p:cNvSpPr>
+            <a:spLocks noGrp="1" noRot="1" noChangeAspect="1" noMove="1" noResize="1" noEditPoints="1" noAdjustHandles="1" noChangeArrowheads="1" noChangeShapeType="1" noTextEdit="1"/>
+          </p:cNvSpPr>
+          <p:nvPr>
+            <p:extLst>
+              <p:ext uri="{386F3935-93C4-4BCD-93E2-E3B085C9AB24}">
+                <p16:designElem xmlns:p16="http://schemas.microsoft.com/office/powerpoint/2015/main" val="1"/>
+              </p:ext>
+            </p:extLst>
+          </p:nvPr>
+        </p:nvSpPr>
+        <p:spPr>
+          <a:xfrm>
+            <a:off x="0" y="0"/>
+            <a:ext cx="2013557" cy="6858000"/>
+          </a:xfrm>
+          <a:prstGeom prst="rect">
+            <a:avLst/>
+          </a:prstGeom>
+          <a:solidFill>
+            <a:srgbClr val="6B8866"/>
+          </a:solidFill>
+          <a:ln>
+            <a:noFill/>
+          </a:ln>
+        </p:spPr>
+        <p:style>
+          <a:lnRef idx="2">
+            <a:schemeClr val="accent1">
+              <a:shade val="50000"/>
+            </a:schemeClr>
+          </a:lnRef>
+          <a:fillRef idx="1">
+            <a:schemeClr val="accent1"/>
+          </a:fillRef>
+          <a:effectRef idx="0">
+            <a:schemeClr val="accent1"/>
+          </a:effectRef>
+          <a:fontRef idx="minor">
+            <a:schemeClr val="lt1"/>
+          </a:fontRef>
+        </p:style>
+        <p:txBody>
+          <a:bodyPr rtlCol="0" anchor="ctr"/>
+          <a:lstStyle/>
+          <a:p>
+            <a:pPr algn="ctr"/>
+            <a:endParaRPr lang="en-US"/>
+          </a:p>
+        </p:txBody>
+      </p:sp>
+      <p:sp>
+        <p:nvSpPr>
+          <p:cNvPr id="2" name="Title 1">
+            <a:extLst>
+              <a:ext uri="{FF2B5EF4-FFF2-40B4-BE49-F238E27FC236}">
+                <a16:creationId xmlns:a16="http://schemas.microsoft.com/office/drawing/2014/main" id="{F584F4EA-1F7E-49B6-B448-0AFAB8351DB3}"/>
+              </a:ext>
+            </a:extLst>
+          </p:cNvPr>
+          <p:cNvSpPr>
+            <a:spLocks noGrp="1"/>
+          </p:cNvSpPr>
+          <p:nvPr>
+            <p:ph type="title"/>
+          </p:nvPr>
+        </p:nvSpPr>
+        <p:spPr>
+          <a:xfrm>
+            <a:off x="640080" y="2074363"/>
+            <a:ext cx="2752354" cy="2709275"/>
+          </a:xfrm>
+          <a:prstGeom prst="ellipse">
+            <a:avLst/>
+          </a:prstGeom>
+          <a:solidFill>
+            <a:srgbClr val="262626"/>
+          </a:solidFill>
+          <a:ln w="174625" cmpd="thinThick">
+            <a:solidFill>
+              <a:srgbClr val="262626"/>
+            </a:solidFill>
+          </a:ln>
+        </p:spPr>
+        <p:txBody>
+          <a:bodyPr vert="horz" lIns="91440" tIns="45720" rIns="91440" bIns="45720" rtlCol="0" anchor="ctr">
+            <a:normAutofit/>
+          </a:bodyPr>
+          <a:lstStyle/>
+          <a:p>
+            <a:pPr algn="ctr"/>
+            <a:r>
+              <a:rPr lang="en-US" sz="2600" dirty="0">
+                <a:solidFill>
+                  <a:srgbClr val="FFFFFF"/>
+                </a:solidFill>
+              </a:rPr>
+              <a:t>Top Five States Per Percent Renovated, 2015-2018</a:t>
+            </a:r>
+            <a:endParaRPr lang="en-US" sz="2600" kern="1200" dirty="0">
+              <a:solidFill>
+                <a:srgbClr val="FFFFFF"/>
+              </a:solidFill>
+              <a:latin typeface="+mj-lt"/>
+              <a:ea typeface="+mj-ea"/>
+              <a:cs typeface="+mj-cs"/>
+            </a:endParaRPr>
+          </a:p>
+        </p:txBody>
+      </p:sp>
       <p:pic>
         <p:nvPicPr>
-          <p:cNvPr id="26" name="slide26">
-            <a:extLst>
-              <a:ext uri="{FF2B5EF4-FFF2-40B4-BE49-F238E27FC236}">
-                <a16:creationId xmlns:a16="http://schemas.microsoft.com/office/drawing/2014/main" id="{62C58B04-4CCC-4D21-A0F5-8E227CAA1F94}"/>
+          <p:cNvPr id="6" name="slide24">
+            <a:extLst>
+              <a:ext uri="{FF2B5EF4-FFF2-40B4-BE49-F238E27FC236}">
+                <a16:creationId xmlns:a16="http://schemas.microsoft.com/office/drawing/2014/main" id="{6B92A474-644B-4144-8FE2-750C4B660E43}"/>
               </a:ext>
             </a:extLst>
           </p:cNvPr>
@@ -3812,7 +4015,7 @@
           </p:cNvPicPr>
           <p:nvPr/>
         </p:nvPicPr>
-        <p:blipFill>
+        <p:blipFill rotWithShape="1">
           <a:blip r:embed="rId2">
             <a:extLst>
               <a:ext uri="{28A0092B-C50C-407E-A947-70E740481C1C}">
@@ -3820,14 +4023,13 @@
               </a:ext>
             </a:extLst>
           </a:blip>
-          <a:stretch>
-            <a:fillRect/>
-          </a:stretch>
+          <a:srcRect l="892" t="8589" r="16392" b="10800"/>
+          <a:stretch/>
         </p:blipFill>
         <p:spPr>
           <a:xfrm>
-            <a:off x="1647825" y="638175"/>
-            <a:ext cx="8896350" cy="5581650"/>
+            <a:off x="3672113" y="893445"/>
+            <a:ext cx="8040915" cy="4916534"/>
           </a:xfrm>
           <a:prstGeom prst="rect">
             <a:avLst/>
@@ -3837,7 +4039,7 @@
     </p:spTree>
     <p:extLst>
       <p:ext uri="{BB962C8B-B14F-4D97-AF65-F5344CB8AC3E}">
-        <p14:creationId xmlns:p14="http://schemas.microsoft.com/office/powerpoint/2010/main" val="95992585"/>
+        <p14:creationId xmlns:p14="http://schemas.microsoft.com/office/powerpoint/2010/main" val="3874950746"/>
       </p:ext>
     </p:extLst>
   </p:cSld>
@@ -3850,6 +4052,14 @@
 <file path=ppt/slides/slide11.xml><?xml version="1.0" encoding="utf-8"?>
 <p:sld xmlns:a="http://schemas.openxmlformats.org/drawingml/2006/main" xmlns:r="http://schemas.openxmlformats.org/officeDocument/2006/relationships" xmlns:p="http://schemas.openxmlformats.org/presentationml/2006/main">
   <p:cSld>
+    <p:bg>
+      <p:bgPr>
+        <a:solidFill>
+          <a:schemeClr val="bg1"/>
+        </a:solidFill>
+        <a:effectLst/>
+      </p:bgPr>
+    </p:bg>
     <p:spTree>
       <p:nvGrpSpPr>
         <p:cNvPr id="1" name=""/>
@@ -3864,12 +4074,197 @@
           <a:chExt cx="0" cy="0"/>
         </a:xfrm>
       </p:grpSpPr>
+      <p:sp>
+        <p:nvSpPr>
+          <p:cNvPr id="33" name="Rectangle 32">
+            <a:extLst>
+              <a:ext uri="{FF2B5EF4-FFF2-40B4-BE49-F238E27FC236}">
+                <a16:creationId xmlns:a16="http://schemas.microsoft.com/office/drawing/2014/main" id="{6753252F-4873-4F63-801D-CC719279A7D5}"/>
+              </a:ext>
+              <a:ext uri="{C183D7F6-B498-43B3-948B-1728B52AA6E4}">
+                <adec:decorative xmlns:adec="http://schemas.microsoft.com/office/drawing/2017/decorative" val="1"/>
+              </a:ext>
+            </a:extLst>
+          </p:cNvPr>
+          <p:cNvSpPr>
+            <a:spLocks noGrp="1" noRot="1" noChangeAspect="1" noMove="1" noResize="1" noEditPoints="1" noAdjustHandles="1" noChangeArrowheads="1" noChangeShapeType="1" noTextEdit="1"/>
+          </p:cNvSpPr>
+          <p:nvPr>
+            <p:extLst>
+              <p:ext uri="{386F3935-93C4-4BCD-93E2-E3B085C9AB24}">
+                <p16:designElem xmlns:p16="http://schemas.microsoft.com/office/powerpoint/2015/main" val="1"/>
+              </p:ext>
+            </p:extLst>
+          </p:nvPr>
+        </p:nvSpPr>
+        <p:spPr>
+          <a:xfrm>
+            <a:off x="0" y="0"/>
+            <a:ext cx="12192000" cy="6858000"/>
+          </a:xfrm>
+          <a:prstGeom prst="rect">
+            <a:avLst/>
+          </a:prstGeom>
+          <a:solidFill>
+            <a:srgbClr val="FFFFFF"/>
+          </a:solidFill>
+          <a:ln>
+            <a:noFill/>
+          </a:ln>
+        </p:spPr>
+        <p:style>
+          <a:lnRef idx="2">
+            <a:schemeClr val="accent1">
+              <a:shade val="50000"/>
+            </a:schemeClr>
+          </a:lnRef>
+          <a:fillRef idx="1">
+            <a:schemeClr val="accent1"/>
+          </a:fillRef>
+          <a:effectRef idx="0">
+            <a:schemeClr val="accent1"/>
+          </a:effectRef>
+          <a:fontRef idx="minor">
+            <a:schemeClr val="lt1"/>
+          </a:fontRef>
+        </p:style>
+        <p:txBody>
+          <a:bodyPr rtlCol="0" anchor="ctr"/>
+          <a:lstStyle/>
+          <a:p>
+            <a:pPr algn="ctr"/>
+            <a:endParaRPr lang="en-US"/>
+          </a:p>
+        </p:txBody>
+      </p:sp>
+      <p:sp>
+        <p:nvSpPr>
+          <p:cNvPr id="35" name="Rectangle 34">
+            <a:extLst>
+              <a:ext uri="{FF2B5EF4-FFF2-40B4-BE49-F238E27FC236}">
+                <a16:creationId xmlns:a16="http://schemas.microsoft.com/office/drawing/2014/main" id="{047C8CCB-F95D-4249-92DD-651249D3535A}"/>
+              </a:ext>
+              <a:ext uri="{C183D7F6-B498-43B3-948B-1728B52AA6E4}">
+                <adec:decorative xmlns:adec="http://schemas.microsoft.com/office/drawing/2017/decorative" val="1"/>
+              </a:ext>
+            </a:extLst>
+          </p:cNvPr>
+          <p:cNvSpPr>
+            <a:spLocks noGrp="1" noRot="1" noChangeAspect="1" noMove="1" noResize="1" noEditPoints="1" noAdjustHandles="1" noChangeArrowheads="1" noChangeShapeType="1" noTextEdit="1"/>
+          </p:cNvSpPr>
+          <p:nvPr>
+            <p:extLst>
+              <p:ext uri="{386F3935-93C4-4BCD-93E2-E3B085C9AB24}">
+                <p16:designElem xmlns:p16="http://schemas.microsoft.com/office/powerpoint/2015/main" val="1"/>
+              </p:ext>
+            </p:extLst>
+          </p:nvPr>
+        </p:nvSpPr>
+        <p:spPr>
+          <a:xfrm>
+            <a:off x="0" y="0"/>
+            <a:ext cx="2013557" cy="6858000"/>
+          </a:xfrm>
+          <a:prstGeom prst="rect">
+            <a:avLst/>
+          </a:prstGeom>
+          <a:solidFill>
+            <a:srgbClr val="6B8866"/>
+          </a:solidFill>
+          <a:ln>
+            <a:noFill/>
+          </a:ln>
+        </p:spPr>
+        <p:style>
+          <a:lnRef idx="2">
+            <a:schemeClr val="accent1">
+              <a:shade val="50000"/>
+            </a:schemeClr>
+          </a:lnRef>
+          <a:fillRef idx="1">
+            <a:schemeClr val="accent1"/>
+          </a:fillRef>
+          <a:effectRef idx="0">
+            <a:schemeClr val="accent1"/>
+          </a:effectRef>
+          <a:fontRef idx="minor">
+            <a:schemeClr val="lt1"/>
+          </a:fontRef>
+        </p:style>
+        <p:txBody>
+          <a:bodyPr rtlCol="0" anchor="ctr"/>
+          <a:lstStyle/>
+          <a:p>
+            <a:pPr algn="ctr"/>
+            <a:endParaRPr lang="en-US"/>
+          </a:p>
+        </p:txBody>
+      </p:sp>
+      <p:sp>
+        <p:nvSpPr>
+          <p:cNvPr id="2" name="Title 1">
+            <a:extLst>
+              <a:ext uri="{FF2B5EF4-FFF2-40B4-BE49-F238E27FC236}">
+                <a16:creationId xmlns:a16="http://schemas.microsoft.com/office/drawing/2014/main" id="{F584F4EA-1F7E-49B6-B448-0AFAB8351DB3}"/>
+              </a:ext>
+            </a:extLst>
+          </p:cNvPr>
+          <p:cNvSpPr>
+            <a:spLocks noGrp="1"/>
+          </p:cNvSpPr>
+          <p:nvPr>
+            <p:ph type="title"/>
+          </p:nvPr>
+        </p:nvSpPr>
+        <p:spPr>
+          <a:xfrm>
+            <a:off x="640080" y="2074363"/>
+            <a:ext cx="2752354" cy="2709275"/>
+          </a:xfrm>
+          <a:prstGeom prst="ellipse">
+            <a:avLst/>
+          </a:prstGeom>
+          <a:solidFill>
+            <a:srgbClr val="262626"/>
+          </a:solidFill>
+          <a:ln w="174625" cmpd="thinThick">
+            <a:solidFill>
+              <a:srgbClr val="262626"/>
+            </a:solidFill>
+          </a:ln>
+        </p:spPr>
+        <p:txBody>
+          <a:bodyPr vert="horz" lIns="91440" tIns="45720" rIns="91440" bIns="45720" rtlCol="0" anchor="ctr">
+            <a:normAutofit/>
+          </a:bodyPr>
+          <a:lstStyle/>
+          <a:p>
+            <a:pPr algn="ctr"/>
+            <a:r>
+              <a:rPr lang="en-US" sz="2600" dirty="0">
+                <a:solidFill>
+                  <a:srgbClr val="FFFFFF"/>
+                </a:solidFill>
+              </a:rPr>
+              <a:t>Bottom Five States Per Percent Renovated, 2015-2018</a:t>
+            </a:r>
+            <a:endParaRPr lang="en-US" sz="2600" kern="1200" dirty="0">
+              <a:solidFill>
+                <a:srgbClr val="FFFFFF"/>
+              </a:solidFill>
+              <a:latin typeface="+mj-lt"/>
+              <a:ea typeface="+mj-ea"/>
+              <a:cs typeface="+mj-cs"/>
+            </a:endParaRPr>
+          </a:p>
+        </p:txBody>
+      </p:sp>
       <p:pic>
         <p:nvPicPr>
-          <p:cNvPr id="27" name="slide27">
-            <a:extLst>
-              <a:ext uri="{FF2B5EF4-FFF2-40B4-BE49-F238E27FC236}">
-                <a16:creationId xmlns:a16="http://schemas.microsoft.com/office/drawing/2014/main" id="{A0720552-47C1-44EF-92E5-7875B9C11BDE}"/>
+          <p:cNvPr id="7" name="slide25">
+            <a:extLst>
+              <a:ext uri="{FF2B5EF4-FFF2-40B4-BE49-F238E27FC236}">
+                <a16:creationId xmlns:a16="http://schemas.microsoft.com/office/drawing/2014/main" id="{279E0A58-7AC7-484F-BDBA-C64E8531EBF2}"/>
               </a:ext>
             </a:extLst>
           </p:cNvPr>
@@ -3878,7 +4273,7 @@
           </p:cNvPicPr>
           <p:nvPr/>
         </p:nvPicPr>
-        <p:blipFill>
+        <p:blipFill rotWithShape="1">
           <a:blip r:embed="rId2">
             <a:extLst>
               <a:ext uri="{28A0092B-C50C-407E-A947-70E740481C1C}">
@@ -3886,14 +4281,13 @@
               </a:ext>
             </a:extLst>
           </a:blip>
-          <a:stretch>
-            <a:fillRect/>
-          </a:stretch>
+          <a:srcRect l="892" t="8330" r="16718" b="12359"/>
+          <a:stretch/>
         </p:blipFill>
         <p:spPr>
           <a:xfrm>
-            <a:off x="1647825" y="638175"/>
-            <a:ext cx="8896350" cy="5581650"/>
+            <a:off x="3643085" y="930728"/>
+            <a:ext cx="8272965" cy="4996543"/>
           </a:xfrm>
           <a:prstGeom prst="rect">
             <a:avLst/>
@@ -3903,7 +4297,7 @@
     </p:spTree>
     <p:extLst>
       <p:ext uri="{BB962C8B-B14F-4D97-AF65-F5344CB8AC3E}">
-        <p14:creationId xmlns:p14="http://schemas.microsoft.com/office/powerpoint/2010/main" val="95992585"/>
+        <p14:creationId xmlns:p14="http://schemas.microsoft.com/office/powerpoint/2010/main" val="2359296056"/>
       </p:ext>
     </p:extLst>
   </p:cSld>
@@ -3938,21 +4332,21 @@
           <a:chExt cx="0" cy="0"/>
         </a:xfrm>
       </p:grpSpPr>
-      <p:cxnSp>
-        <p:nvCxnSpPr>
-          <p:cNvPr id="33" name="Straight Connector 32">
-            <a:extLst>
-              <a:ext uri="{FF2B5EF4-FFF2-40B4-BE49-F238E27FC236}">
-                <a16:creationId xmlns:a16="http://schemas.microsoft.com/office/drawing/2014/main" id="{DFDA47BC-3069-47F5-8257-24B3B1F76A08}"/>
+      <p:sp>
+        <p:nvSpPr>
+          <p:cNvPr id="33" name="Rectangle 32">
+            <a:extLst>
+              <a:ext uri="{FF2B5EF4-FFF2-40B4-BE49-F238E27FC236}">
+                <a16:creationId xmlns:a16="http://schemas.microsoft.com/office/drawing/2014/main" id="{6753252F-4873-4F63-801D-CC719279A7D5}"/>
               </a:ext>
               <a:ext uri="{C183D7F6-B498-43B3-948B-1728B52AA6E4}">
                 <adec:decorative xmlns:adec="http://schemas.microsoft.com/office/drawing/2017/decorative" val="1"/>
               </a:ext>
             </a:extLst>
           </p:cNvPr>
-          <p:cNvCxnSpPr>
-            <a:cxnSpLocks noGrp="1" noRot="1" noChangeAspect="1" noMove="1" noResize="1" noEditPoints="1" noAdjustHandles="1" noChangeArrowheads="1" noChangeShapeType="1"/>
-          </p:cNvCxnSpPr>
+          <p:cNvSpPr>
+            <a:spLocks noGrp="1" noRot="1" noChangeAspect="1" noMove="1" noResize="1" noEditPoints="1" noAdjustHandles="1" noChangeArrowheads="1" noChangeShapeType="1" noTextEdit="1"/>
+          </p:cNvSpPr>
           <p:nvPr>
             <p:extLst>
               <p:ext uri="{386F3935-93C4-4BCD-93E2-E3B085C9AB24}">
@@ -3960,109 +4354,20 @@
               </p:ext>
             </p:extLst>
           </p:nvPr>
-        </p:nvCxnSpPr>
-        <p:spPr>
-          <a:xfrm>
-            <a:off x="3129276" y="477749"/>
-            <a:ext cx="0" cy="3657600"/>
-          </a:xfrm>
-          <a:prstGeom prst="line">
-            <a:avLst/>
-          </a:prstGeom>
-          <a:ln w="101600" cmpd="dbl">
-            <a:solidFill>
-              <a:srgbClr val="595959"/>
-            </a:solidFill>
-          </a:ln>
-        </p:spPr>
-        <p:style>
-          <a:lnRef idx="1">
-            <a:schemeClr val="accent1"/>
-          </a:lnRef>
-          <a:fillRef idx="0">
-            <a:schemeClr val="accent1"/>
-          </a:fillRef>
-          <a:effectRef idx="0">
-            <a:schemeClr val="accent1"/>
-          </a:effectRef>
-          <a:fontRef idx="minor">
-            <a:schemeClr val="tx1"/>
-          </a:fontRef>
-        </p:style>
-      </p:cxnSp>
-      <p:pic>
-        <p:nvPicPr>
-          <p:cNvPr id="26" name="slide4">
-            <a:extLst>
-              <a:ext uri="{FF2B5EF4-FFF2-40B4-BE49-F238E27FC236}">
-                <a16:creationId xmlns:a16="http://schemas.microsoft.com/office/drawing/2014/main" id="{49004F7C-4AD0-4314-8725-178A599CB565}"/>
-              </a:ext>
-            </a:extLst>
-          </p:cNvPr>
-          <p:cNvPicPr>
-            <a:picLocks noChangeAspect="1"/>
-          </p:cNvPicPr>
-          <p:nvPr/>
-        </p:nvPicPr>
-        <p:blipFill rotWithShape="1">
-          <a:blip r:embed="rId2">
-            <a:extLst>
-              <a:ext uri="{28A0092B-C50C-407E-A947-70E740481C1C}">
-                <a14:useLocalDpi xmlns:a14="http://schemas.microsoft.com/office/drawing/2010/main" val="0"/>
-              </a:ext>
-            </a:extLst>
-          </a:blip>
-          <a:srcRect t="15765" b="42261"/>
-          <a:stretch/>
-        </p:blipFill>
-        <p:spPr>
-          <a:xfrm>
-            <a:off x="6257706" y="1147704"/>
-            <a:ext cx="2648371" cy="2327077"/>
-          </a:xfrm>
-          <a:prstGeom prst="rect">
-            <a:avLst/>
-          </a:prstGeom>
-        </p:spPr>
-      </p:pic>
-      <p:sp>
-        <p:nvSpPr>
-          <p:cNvPr id="35" name="Rectangle 34">
-            <a:extLst>
-              <a:ext uri="{FF2B5EF4-FFF2-40B4-BE49-F238E27FC236}">
-                <a16:creationId xmlns:a16="http://schemas.microsoft.com/office/drawing/2014/main" id="{7AE95D8F-9825-4222-8846-E3461598CC62}"/>
-              </a:ext>
-              <a:ext uri="{C183D7F6-B498-43B3-948B-1728B52AA6E4}">
-                <adec:decorative xmlns:adec="http://schemas.microsoft.com/office/drawing/2017/decorative" val="1"/>
-              </a:ext>
-            </a:extLst>
-          </p:cNvPr>
-          <p:cNvSpPr>
-            <a:spLocks noGrp="1" noRot="1" noChangeAspect="1" noMove="1" noResize="1" noEditPoints="1" noAdjustHandles="1" noChangeArrowheads="1" noChangeShapeType="1" noTextEdit="1"/>
-          </p:cNvSpPr>
-          <p:nvPr>
-            <p:extLst>
-              <p:ext uri="{386F3935-93C4-4BCD-93E2-E3B085C9AB24}">
-                <p16:designElem xmlns:p16="http://schemas.microsoft.com/office/powerpoint/2015/main" val="1"/>
-              </p:ext>
-            </p:extLst>
-          </p:nvPr>
-        </p:nvSpPr>
-        <p:spPr bwMode="ltGray">
-          <a:xfrm>
-            <a:off x="378068" y="4633546"/>
-            <a:ext cx="11438793" cy="1844256"/>
+        </p:nvSpPr>
+        <p:spPr>
+          <a:xfrm>
+            <a:off x="0" y="0"/>
+            <a:ext cx="12192000" cy="6858000"/>
           </a:xfrm>
           <a:prstGeom prst="rect">
             <a:avLst/>
           </a:prstGeom>
           <a:solidFill>
-            <a:srgbClr val="404040"/>
+            <a:srgbClr val="FFFFFF"/>
           </a:solidFill>
-          <a:ln w="127000" cap="sq" cmpd="thinThick">
-            <a:solidFill>
-              <a:srgbClr val="404040"/>
-            </a:solidFill>
+          <a:ln>
+            <a:noFill/>
           </a:ln>
         </p:spPr>
         <p:style>
@@ -4092,141 +4397,19 @@
       </p:sp>
       <p:sp>
         <p:nvSpPr>
-          <p:cNvPr id="5" name="TextBox 4">
-            <a:extLst>
-              <a:ext uri="{FF2B5EF4-FFF2-40B4-BE49-F238E27FC236}">
-                <a16:creationId xmlns:a16="http://schemas.microsoft.com/office/drawing/2014/main" id="{AD960A3A-4089-4DD9-9E58-E4EB3BC22B0A}"/>
-              </a:ext>
-            </a:extLst>
-          </p:cNvPr>
-          <p:cNvSpPr txBox="1"/>
-          <p:nvPr/>
-        </p:nvSpPr>
-        <p:spPr>
-          <a:xfrm>
-            <a:off x="527538" y="4756638"/>
-            <a:ext cx="11139854" cy="930447"/>
-          </a:xfrm>
-          <a:prstGeom prst="rect">
-            <a:avLst/>
-          </a:prstGeom>
-        </p:spPr>
-        <p:txBody>
-          <a:bodyPr vert="horz" lIns="91440" tIns="45720" rIns="91440" bIns="45720" rtlCol="0" anchor="b">
-            <a:normAutofit/>
-          </a:bodyPr>
-          <a:lstStyle/>
-          <a:p>
-            <a:pPr algn="ctr">
-              <a:lnSpc>
-                <a:spcPct val="90000"/>
-              </a:lnSpc>
-              <a:spcBef>
-                <a:spcPct val="0"/>
-              </a:spcBef>
-              <a:spcAft>
-                <a:spcPts val="600"/>
-              </a:spcAft>
-            </a:pPr>
-            <a:r>
-              <a:rPr lang="en-US" sz="5400" dirty="0">
-                <a:solidFill>
-                  <a:srgbClr val="FFFFFF"/>
-                </a:solidFill>
-                <a:latin typeface="+mj-lt"/>
-                <a:ea typeface="+mj-ea"/>
-                <a:cs typeface="+mj-cs"/>
-              </a:rPr>
-              <a:t>Top Five States Per Colony By Year</a:t>
-            </a:r>
-          </a:p>
-        </p:txBody>
-      </p:sp>
-      <p:pic>
-        <p:nvPicPr>
-          <p:cNvPr id="24" name="slide2">
-            <a:extLst>
-              <a:ext uri="{FF2B5EF4-FFF2-40B4-BE49-F238E27FC236}">
-                <a16:creationId xmlns:a16="http://schemas.microsoft.com/office/drawing/2014/main" id="{E6EE6FCB-1B33-4D99-8659-5609B737BF16}"/>
-              </a:ext>
-            </a:extLst>
-          </p:cNvPr>
-          <p:cNvPicPr>
-            <a:picLocks noChangeAspect="1"/>
-          </p:cNvPicPr>
-          <p:nvPr/>
-        </p:nvPicPr>
-        <p:blipFill rotWithShape="1">
-          <a:blip r:embed="rId3">
-            <a:extLst>
-              <a:ext uri="{28A0092B-C50C-407E-A947-70E740481C1C}">
-                <a14:useLocalDpi xmlns:a14="http://schemas.microsoft.com/office/drawing/2010/main" val="0"/>
-              </a:ext>
-            </a:extLst>
-          </a:blip>
-          <a:srcRect t="15765" b="42605"/>
-          <a:stretch/>
-        </p:blipFill>
-        <p:spPr>
-          <a:xfrm>
-            <a:off x="320041" y="1147704"/>
-            <a:ext cx="2659472" cy="2317690"/>
-          </a:xfrm>
-          <a:prstGeom prst="rect">
-            <a:avLst/>
-          </a:prstGeom>
-        </p:spPr>
-      </p:pic>
-      <p:pic>
-        <p:nvPicPr>
-          <p:cNvPr id="28" name="slide5">
-            <a:extLst>
-              <a:ext uri="{FF2B5EF4-FFF2-40B4-BE49-F238E27FC236}">
-                <a16:creationId xmlns:a16="http://schemas.microsoft.com/office/drawing/2014/main" id="{1D325E3B-61C9-4E37-BC00-BB6B743E64A9}"/>
-              </a:ext>
-            </a:extLst>
-          </p:cNvPr>
-          <p:cNvPicPr>
-            <a:picLocks noChangeAspect="1"/>
-          </p:cNvPicPr>
-          <p:nvPr/>
-        </p:nvPicPr>
-        <p:blipFill rotWithShape="1">
-          <a:blip r:embed="rId4">
-            <a:extLst>
-              <a:ext uri="{28A0092B-C50C-407E-A947-70E740481C1C}">
-                <a14:useLocalDpi xmlns:a14="http://schemas.microsoft.com/office/drawing/2010/main" val="0"/>
-              </a:ext>
-            </a:extLst>
-          </a:blip>
-          <a:srcRect t="20686" b="41742"/>
-          <a:stretch/>
-        </p:blipFill>
-        <p:spPr>
-          <a:xfrm>
-            <a:off x="9170184" y="1119308"/>
-            <a:ext cx="2497208" cy="2467220"/>
-          </a:xfrm>
-          <a:prstGeom prst="rect">
-            <a:avLst/>
-          </a:prstGeom>
-        </p:spPr>
-      </p:pic>
-      <p:cxnSp>
-        <p:nvCxnSpPr>
-          <p:cNvPr id="37" name="Straight Connector 36">
-            <a:extLst>
-              <a:ext uri="{FF2B5EF4-FFF2-40B4-BE49-F238E27FC236}">
-                <a16:creationId xmlns:a16="http://schemas.microsoft.com/office/drawing/2014/main" id="{942B920A-73AD-402A-8EEF-B88E1A9398B8}"/>
+          <p:cNvPr id="35" name="Rectangle 34">
+            <a:extLst>
+              <a:ext uri="{FF2B5EF4-FFF2-40B4-BE49-F238E27FC236}">
+                <a16:creationId xmlns:a16="http://schemas.microsoft.com/office/drawing/2014/main" id="{047C8CCB-F95D-4249-92DD-651249D3535A}"/>
               </a:ext>
               <a:ext uri="{C183D7F6-B498-43B3-948B-1728B52AA6E4}">
                 <adec:decorative xmlns:adec="http://schemas.microsoft.com/office/drawing/2017/decorative" val="1"/>
               </a:ext>
             </a:extLst>
           </p:cNvPr>
-          <p:cNvCxnSpPr>
-            <a:cxnSpLocks noGrp="1" noRot="1" noChangeAspect="1" noMove="1" noResize="1" noEditPoints="1" noAdjustHandles="1" noChangeArrowheads="1" noChangeShapeType="1"/>
-          </p:cNvCxnSpPr>
+          <p:cNvSpPr>
+            <a:spLocks noGrp="1" noRot="1" noChangeAspect="1" noMove="1" noResize="1" noEditPoints="1" noAdjustHandles="1" noChangeArrowheads="1" noChangeShapeType="1" noTextEdit="1"/>
+          </p:cNvSpPr>
           <p:nvPr>
             <p:extLst>
               <p:ext uri="{386F3935-93C4-4BCD-93E2-E3B085C9AB24}">
@@ -4234,179 +4417,147 @@
               </p:ext>
             </p:extLst>
           </p:nvPr>
-        </p:nvCxnSpPr>
-        <p:spPr>
-          <a:xfrm>
-            <a:off x="6097686" y="477749"/>
-            <a:ext cx="0" cy="3657600"/>
-          </a:xfrm>
-          <a:prstGeom prst="line">
+        </p:nvSpPr>
+        <p:spPr>
+          <a:xfrm>
+            <a:off x="0" y="0"/>
+            <a:ext cx="2013557" cy="6858000"/>
+          </a:xfrm>
+          <a:prstGeom prst="rect">
             <a:avLst/>
           </a:prstGeom>
-          <a:ln w="101600" cmpd="dbl">
-            <a:solidFill>
-              <a:srgbClr val="595959"/>
-            </a:solidFill>
+          <a:solidFill>
+            <a:srgbClr val="6B8866"/>
+          </a:solidFill>
+          <a:ln>
+            <a:noFill/>
           </a:ln>
         </p:spPr>
         <p:style>
-          <a:lnRef idx="1">
-            <a:schemeClr val="accent1"/>
+          <a:lnRef idx="2">
+            <a:schemeClr val="accent1">
+              <a:shade val="50000"/>
+            </a:schemeClr>
           </a:lnRef>
-          <a:fillRef idx="0">
+          <a:fillRef idx="1">
             <a:schemeClr val="accent1"/>
           </a:fillRef>
           <a:effectRef idx="0">
             <a:schemeClr val="accent1"/>
           </a:effectRef>
           <a:fontRef idx="minor">
-            <a:schemeClr val="tx1"/>
+            <a:schemeClr val="lt1"/>
           </a:fontRef>
         </p:style>
-      </p:cxnSp>
-      <p:cxnSp>
-        <p:nvCxnSpPr>
-          <p:cNvPr id="39" name="Straight Connector 38">
-            <a:extLst>
-              <a:ext uri="{FF2B5EF4-FFF2-40B4-BE49-F238E27FC236}">
-                <a16:creationId xmlns:a16="http://schemas.microsoft.com/office/drawing/2014/main" id="{00C9EB70-BC82-414A-BF8D-AD7FC6727616}"/>
-              </a:ext>
-              <a:ext uri="{C183D7F6-B498-43B3-948B-1728B52AA6E4}">
-                <adec:decorative xmlns:adec="http://schemas.microsoft.com/office/drawing/2017/decorative" val="1"/>
-              </a:ext>
-            </a:extLst>
-          </p:cNvPr>
-          <p:cNvCxnSpPr>
-            <a:cxnSpLocks noGrp="1" noRot="1" noChangeAspect="1" noMove="1" noResize="1" noEditPoints="1" noAdjustHandles="1" noChangeArrowheads="1" noChangeShapeType="1"/>
-          </p:cNvCxnSpPr>
-          <p:nvPr>
-            <p:extLst>
-              <p:ext uri="{386F3935-93C4-4BCD-93E2-E3B085C9AB24}">
-                <p16:designElem xmlns:p16="http://schemas.microsoft.com/office/powerpoint/2015/main" val="1"/>
-              </p:ext>
-            </p:extLst>
-          </p:nvPr>
-        </p:nvCxnSpPr>
-        <p:spPr>
-          <a:xfrm>
-            <a:off x="9066096" y="477749"/>
-            <a:ext cx="0" cy="3657600"/>
-          </a:xfrm>
-          <a:prstGeom prst="line">
+        <p:txBody>
+          <a:bodyPr rtlCol="0" anchor="ctr"/>
+          <a:lstStyle/>
+          <a:p>
+            <a:pPr algn="ctr"/>
+            <a:endParaRPr lang="en-US"/>
+          </a:p>
+        </p:txBody>
+      </p:sp>
+      <p:sp>
+        <p:nvSpPr>
+          <p:cNvPr id="2" name="Title 1">
+            <a:extLst>
+              <a:ext uri="{FF2B5EF4-FFF2-40B4-BE49-F238E27FC236}">
+                <a16:creationId xmlns:a16="http://schemas.microsoft.com/office/drawing/2014/main" id="{F584F4EA-1F7E-49B6-B448-0AFAB8351DB3}"/>
+              </a:ext>
+            </a:extLst>
+          </p:cNvPr>
+          <p:cNvSpPr>
+            <a:spLocks noGrp="1"/>
+          </p:cNvSpPr>
+          <p:nvPr>
+            <p:ph type="title"/>
+          </p:nvPr>
+        </p:nvSpPr>
+        <p:spPr>
+          <a:xfrm>
+            <a:off x="640080" y="2074363"/>
+            <a:ext cx="2752354" cy="2709275"/>
+          </a:xfrm>
+          <a:prstGeom prst="ellipse">
             <a:avLst/>
           </a:prstGeom>
-          <a:ln w="101600" cmpd="dbl">
+          <a:solidFill>
+            <a:srgbClr val="262626"/>
+          </a:solidFill>
+          <a:ln w="174625" cmpd="thinThick">
             <a:solidFill>
-              <a:srgbClr val="595959"/>
+              <a:srgbClr val="262626"/>
             </a:solidFill>
           </a:ln>
         </p:spPr>
-        <p:style>
-          <a:lnRef idx="1">
-            <a:schemeClr val="accent1"/>
-          </a:lnRef>
-          <a:fillRef idx="0">
-            <a:schemeClr val="accent1"/>
-          </a:fillRef>
-          <a:effectRef idx="0">
-            <a:schemeClr val="accent1"/>
-          </a:effectRef>
-          <a:fontRef idx="minor">
-            <a:schemeClr val="tx1"/>
-          </a:fontRef>
-        </p:style>
-      </p:cxnSp>
+        <p:txBody>
+          <a:bodyPr vert="horz" lIns="91440" tIns="45720" rIns="91440" bIns="45720" rtlCol="0" anchor="ctr">
+            <a:normAutofit/>
+          </a:bodyPr>
+          <a:lstStyle/>
+          <a:p>
+            <a:pPr algn="ctr"/>
+            <a:r>
+              <a:rPr lang="en-US" sz="2600" dirty="0">
+                <a:solidFill>
+                  <a:srgbClr val="FFFFFF"/>
+                </a:solidFill>
+              </a:rPr>
+              <a:t>Colonies Added/Lost, 2015-2018</a:t>
+            </a:r>
+            <a:endParaRPr lang="en-US" sz="2600" kern="1200" dirty="0">
+              <a:solidFill>
+                <a:srgbClr val="FFFFFF"/>
+              </a:solidFill>
+              <a:latin typeface="+mj-lt"/>
+              <a:ea typeface="+mj-ea"/>
+              <a:cs typeface="+mj-cs"/>
+            </a:endParaRPr>
+          </a:p>
+        </p:txBody>
+      </p:sp>
       <p:pic>
         <p:nvPicPr>
-          <p:cNvPr id="25" name="slide3">
-            <a:extLst>
-              <a:ext uri="{FF2B5EF4-FFF2-40B4-BE49-F238E27FC236}">
-                <a16:creationId xmlns:a16="http://schemas.microsoft.com/office/drawing/2014/main" id="{8CD82DB0-8BBD-48BE-B735-26809B2458B1}"/>
+          <p:cNvPr id="8" name="slide12">
+            <a:extLst>
+              <a:ext uri="{FF2B5EF4-FFF2-40B4-BE49-F238E27FC236}">
+                <a16:creationId xmlns:a16="http://schemas.microsoft.com/office/drawing/2014/main" id="{FD3FB934-A2FD-4E1F-9F8F-446368486250}"/>
               </a:ext>
             </a:extLst>
           </p:cNvPr>
           <p:cNvPicPr>
-            <a:picLocks noChangeAspect="1"/>
+            <a:picLocks noGrp="1" noChangeAspect="1"/>
           </p:cNvPicPr>
-          <p:nvPr/>
+          <p:nvPr>
+            <p:ph idx="1"/>
+          </p:nvPr>
         </p:nvPicPr>
         <p:blipFill rotWithShape="1">
-          <a:blip r:embed="rId5">
+          <a:blip r:embed="rId2">
             <a:extLst>
               <a:ext uri="{28A0092B-C50C-407E-A947-70E740481C1C}">
                 <a14:useLocalDpi xmlns:a14="http://schemas.microsoft.com/office/drawing/2010/main" val="0"/>
               </a:ext>
             </a:extLst>
           </a:blip>
-          <a:srcRect t="15400" b="42795"/>
+          <a:srcRect t="7188" b="11570"/>
           <a:stretch/>
         </p:blipFill>
         <p:spPr>
           <a:xfrm>
-            <a:off x="3345227" y="1131208"/>
-            <a:ext cx="2648372" cy="2317690"/>
+            <a:off x="3545113" y="863490"/>
+            <a:ext cx="8231081" cy="4680967"/>
           </a:xfrm>
           <a:prstGeom prst="rect">
             <a:avLst/>
           </a:prstGeom>
         </p:spPr>
       </p:pic>
-      <p:cxnSp>
-        <p:nvCxnSpPr>
-          <p:cNvPr id="41" name="Straight Connector 40">
-            <a:extLst>
-              <a:ext uri="{FF2B5EF4-FFF2-40B4-BE49-F238E27FC236}">
-                <a16:creationId xmlns:a16="http://schemas.microsoft.com/office/drawing/2014/main" id="{3217665F-0036-444A-8D4A-33AF36A36A42}"/>
-              </a:ext>
-              <a:ext uri="{C183D7F6-B498-43B3-948B-1728B52AA6E4}">
-                <adec:decorative xmlns:adec="http://schemas.microsoft.com/office/drawing/2017/decorative" val="1"/>
-              </a:ext>
-            </a:extLst>
-          </p:cNvPr>
-          <p:cNvCxnSpPr>
-            <a:cxnSpLocks noGrp="1" noRot="1" noChangeAspect="1" noMove="1" noResize="1" noEditPoints="1" noAdjustHandles="1" noChangeArrowheads="1" noChangeShapeType="1"/>
-          </p:cNvCxnSpPr>
-          <p:nvPr>
-            <p:extLst>
-              <p:ext uri="{386F3935-93C4-4BCD-93E2-E3B085C9AB24}">
-                <p16:designElem xmlns:p16="http://schemas.microsoft.com/office/powerpoint/2015/main" val="1"/>
-              </p:ext>
-            </p:extLst>
-          </p:nvPr>
-        </p:nvCxnSpPr>
-        <p:spPr>
-          <a:xfrm>
-            <a:off x="2209800" y="5738691"/>
-            <a:ext cx="7772400" cy="0"/>
-          </a:xfrm>
-          <a:prstGeom prst="line">
-            <a:avLst/>
-          </a:prstGeom>
-          <a:ln w="22225">
-            <a:solidFill>
-              <a:srgbClr val="D9D9D9"/>
-            </a:solidFill>
-          </a:ln>
-        </p:spPr>
-        <p:style>
-          <a:lnRef idx="1">
-            <a:schemeClr val="accent1"/>
-          </a:lnRef>
-          <a:fillRef idx="0">
-            <a:schemeClr val="accent1"/>
-          </a:fillRef>
-          <a:effectRef idx="0">
-            <a:schemeClr val="accent1"/>
-          </a:effectRef>
-          <a:fontRef idx="minor">
-            <a:schemeClr val="tx1"/>
-          </a:fontRef>
-        </p:style>
-      </p:cxnSp>
     </p:spTree>
     <p:extLst>
       <p:ext uri="{BB962C8B-B14F-4D97-AF65-F5344CB8AC3E}">
-        <p14:creationId xmlns:p14="http://schemas.microsoft.com/office/powerpoint/2010/main" val="95992585"/>
+        <p14:creationId xmlns:p14="http://schemas.microsoft.com/office/powerpoint/2010/main" val="2059062265"/>
       </p:ext>
     </p:extLst>
   </p:cSld>
@@ -4419,6 +4570,14 @@
 <file path=ppt/slides/slide3.xml><?xml version="1.0" encoding="utf-8"?>
 <p:sld xmlns:a="http://schemas.openxmlformats.org/drawingml/2006/main" xmlns:r="http://schemas.openxmlformats.org/officeDocument/2006/relationships" xmlns:p="http://schemas.openxmlformats.org/presentationml/2006/main">
   <p:cSld>
+    <p:bg>
+      <p:bgPr>
+        <a:solidFill>
+          <a:schemeClr val="bg1"/>
+        </a:solidFill>
+        <a:effectLst/>
+      </p:bgPr>
+    </p:bg>
     <p:spTree>
       <p:nvGrpSpPr>
         <p:cNvPr id="1" name=""/>
@@ -4433,23 +4592,206 @@
           <a:chExt cx="0" cy="0"/>
         </a:xfrm>
       </p:grpSpPr>
+      <p:sp>
+        <p:nvSpPr>
+          <p:cNvPr id="33" name="Rectangle 32">
+            <a:extLst>
+              <a:ext uri="{FF2B5EF4-FFF2-40B4-BE49-F238E27FC236}">
+                <a16:creationId xmlns:a16="http://schemas.microsoft.com/office/drawing/2014/main" id="{6753252F-4873-4F63-801D-CC719279A7D5}"/>
+              </a:ext>
+              <a:ext uri="{C183D7F6-B498-43B3-948B-1728B52AA6E4}">
+                <adec:decorative xmlns:adec="http://schemas.microsoft.com/office/drawing/2017/decorative" val="1"/>
+              </a:ext>
+            </a:extLst>
+          </p:cNvPr>
+          <p:cNvSpPr>
+            <a:spLocks noGrp="1" noRot="1" noChangeAspect="1" noMove="1" noResize="1" noEditPoints="1" noAdjustHandles="1" noChangeArrowheads="1" noChangeShapeType="1" noTextEdit="1"/>
+          </p:cNvSpPr>
+          <p:nvPr>
+            <p:extLst>
+              <p:ext uri="{386F3935-93C4-4BCD-93E2-E3B085C9AB24}">
+                <p16:designElem xmlns:p16="http://schemas.microsoft.com/office/powerpoint/2015/main" val="1"/>
+              </p:ext>
+            </p:extLst>
+          </p:nvPr>
+        </p:nvSpPr>
+        <p:spPr>
+          <a:xfrm>
+            <a:off x="0" y="0"/>
+            <a:ext cx="12192000" cy="6858000"/>
+          </a:xfrm>
+          <a:prstGeom prst="rect">
+            <a:avLst/>
+          </a:prstGeom>
+          <a:solidFill>
+            <a:srgbClr val="FFFFFF"/>
+          </a:solidFill>
+          <a:ln>
+            <a:noFill/>
+          </a:ln>
+        </p:spPr>
+        <p:style>
+          <a:lnRef idx="2">
+            <a:schemeClr val="accent1">
+              <a:shade val="50000"/>
+            </a:schemeClr>
+          </a:lnRef>
+          <a:fillRef idx="1">
+            <a:schemeClr val="accent1"/>
+          </a:fillRef>
+          <a:effectRef idx="0">
+            <a:schemeClr val="accent1"/>
+          </a:effectRef>
+          <a:fontRef idx="minor">
+            <a:schemeClr val="lt1"/>
+          </a:fontRef>
+        </p:style>
+        <p:txBody>
+          <a:bodyPr rtlCol="0" anchor="ctr"/>
+          <a:lstStyle/>
+          <a:p>
+            <a:pPr algn="ctr"/>
+            <a:endParaRPr lang="en-US"/>
+          </a:p>
+        </p:txBody>
+      </p:sp>
+      <p:sp>
+        <p:nvSpPr>
+          <p:cNvPr id="35" name="Rectangle 34">
+            <a:extLst>
+              <a:ext uri="{FF2B5EF4-FFF2-40B4-BE49-F238E27FC236}">
+                <a16:creationId xmlns:a16="http://schemas.microsoft.com/office/drawing/2014/main" id="{047C8CCB-F95D-4249-92DD-651249D3535A}"/>
+              </a:ext>
+              <a:ext uri="{C183D7F6-B498-43B3-948B-1728B52AA6E4}">
+                <adec:decorative xmlns:adec="http://schemas.microsoft.com/office/drawing/2017/decorative" val="1"/>
+              </a:ext>
+            </a:extLst>
+          </p:cNvPr>
+          <p:cNvSpPr>
+            <a:spLocks noGrp="1" noRot="1" noChangeAspect="1" noMove="1" noResize="1" noEditPoints="1" noAdjustHandles="1" noChangeArrowheads="1" noChangeShapeType="1" noTextEdit="1"/>
+          </p:cNvSpPr>
+          <p:nvPr>
+            <p:extLst>
+              <p:ext uri="{386F3935-93C4-4BCD-93E2-E3B085C9AB24}">
+                <p16:designElem xmlns:p16="http://schemas.microsoft.com/office/powerpoint/2015/main" val="1"/>
+              </p:ext>
+            </p:extLst>
+          </p:nvPr>
+        </p:nvSpPr>
+        <p:spPr>
+          <a:xfrm>
+            <a:off x="0" y="0"/>
+            <a:ext cx="2013557" cy="6858000"/>
+          </a:xfrm>
+          <a:prstGeom prst="rect">
+            <a:avLst/>
+          </a:prstGeom>
+          <a:solidFill>
+            <a:srgbClr val="6B8866"/>
+          </a:solidFill>
+          <a:ln>
+            <a:noFill/>
+          </a:ln>
+        </p:spPr>
+        <p:style>
+          <a:lnRef idx="2">
+            <a:schemeClr val="accent1">
+              <a:shade val="50000"/>
+            </a:schemeClr>
+          </a:lnRef>
+          <a:fillRef idx="1">
+            <a:schemeClr val="accent1"/>
+          </a:fillRef>
+          <a:effectRef idx="0">
+            <a:schemeClr val="accent1"/>
+          </a:effectRef>
+          <a:fontRef idx="minor">
+            <a:schemeClr val="lt1"/>
+          </a:fontRef>
+        </p:style>
+        <p:txBody>
+          <a:bodyPr rtlCol="0" anchor="ctr"/>
+          <a:lstStyle/>
+          <a:p>
+            <a:pPr algn="ctr"/>
+            <a:endParaRPr lang="en-US"/>
+          </a:p>
+        </p:txBody>
+      </p:sp>
+      <p:sp>
+        <p:nvSpPr>
+          <p:cNvPr id="2" name="Title 1">
+            <a:extLst>
+              <a:ext uri="{FF2B5EF4-FFF2-40B4-BE49-F238E27FC236}">
+                <a16:creationId xmlns:a16="http://schemas.microsoft.com/office/drawing/2014/main" id="{F584F4EA-1F7E-49B6-B448-0AFAB8351DB3}"/>
+              </a:ext>
+            </a:extLst>
+          </p:cNvPr>
+          <p:cNvSpPr>
+            <a:spLocks noGrp="1"/>
+          </p:cNvSpPr>
+          <p:nvPr>
+            <p:ph type="title"/>
+          </p:nvPr>
+        </p:nvSpPr>
+        <p:spPr>
+          <a:xfrm>
+            <a:off x="640080" y="2074363"/>
+            <a:ext cx="2752354" cy="2709275"/>
+          </a:xfrm>
+          <a:prstGeom prst="ellipse">
+            <a:avLst/>
+          </a:prstGeom>
+          <a:solidFill>
+            <a:srgbClr val="262626"/>
+          </a:solidFill>
+          <a:ln w="174625" cmpd="thinThick">
+            <a:solidFill>
+              <a:srgbClr val="262626"/>
+            </a:solidFill>
+          </a:ln>
+        </p:spPr>
+        <p:txBody>
+          <a:bodyPr vert="horz" lIns="91440" tIns="45720" rIns="91440" bIns="45720" rtlCol="0" anchor="ctr">
+            <a:normAutofit/>
+          </a:bodyPr>
+          <a:lstStyle/>
+          <a:p>
+            <a:pPr algn="ctr"/>
+            <a:r>
+              <a:rPr lang="en-US" sz="2800" dirty="0">
+                <a:solidFill>
+                  <a:srgbClr val="FFFFFF"/>
+                </a:solidFill>
+              </a:rPr>
+              <a:t>Percentage Lost/Renovated, 2015-2018</a:t>
+            </a:r>
+            <a:endParaRPr lang="en-US" sz="2600" kern="1200" dirty="0">
+              <a:solidFill>
+                <a:srgbClr val="FFFFFF"/>
+              </a:solidFill>
+              <a:latin typeface="+mj-lt"/>
+              <a:ea typeface="+mj-ea"/>
+              <a:cs typeface="+mj-cs"/>
+            </a:endParaRPr>
+          </a:p>
+        </p:txBody>
+      </p:sp>
       <p:pic>
         <p:nvPicPr>
-          <p:cNvPr id="6" name="slide6">
-            <a:extLst>
-              <a:ext uri="{FF2B5EF4-FFF2-40B4-BE49-F238E27FC236}">
-                <a16:creationId xmlns:a16="http://schemas.microsoft.com/office/drawing/2014/main" id="{D577D4DF-4B24-4B51-A62B-E89EE395A094}"/>
+          <p:cNvPr id="9" name="slide13">
+            <a:extLst>
+              <a:ext uri="{FF2B5EF4-FFF2-40B4-BE49-F238E27FC236}">
+                <a16:creationId xmlns:a16="http://schemas.microsoft.com/office/drawing/2014/main" id="{E7DCA307-47D1-4CC4-BDDF-92BEE242449F}"/>
               </a:ext>
             </a:extLst>
           </p:cNvPr>
           <p:cNvPicPr>
-            <a:picLocks noGrp="1" noChangeAspect="1"/>
+            <a:picLocks noChangeAspect="1"/>
           </p:cNvPicPr>
-          <p:nvPr>
-            <p:ph idx="1"/>
-          </p:nvPr>
+          <p:nvPr/>
         </p:nvPicPr>
-        <p:blipFill>
+        <p:blipFill rotWithShape="1">
           <a:blip r:embed="rId2">
             <a:extLst>
               <a:ext uri="{28A0092B-C50C-407E-A947-70E740481C1C}">
@@ -4457,14 +4799,13 @@
               </a:ext>
             </a:extLst>
           </a:blip>
-          <a:stretch>
-            <a:fillRect/>
-          </a:stretch>
+          <a:srcRect t="7877" b="10543"/>
+          <a:stretch/>
         </p:blipFill>
         <p:spPr>
           <a:xfrm>
-            <a:off x="2264681" y="1825625"/>
-            <a:ext cx="7662637" cy="4351338"/>
+            <a:off x="4038600" y="1418840"/>
+            <a:ext cx="7188199" cy="4016931"/>
           </a:xfrm>
           <a:prstGeom prst="rect">
             <a:avLst/>
@@ -4474,7 +4815,7 @@
     </p:spTree>
     <p:extLst>
       <p:ext uri="{BB962C8B-B14F-4D97-AF65-F5344CB8AC3E}">
-        <p14:creationId xmlns:p14="http://schemas.microsoft.com/office/powerpoint/2010/main" val="2764521557"/>
+        <p14:creationId xmlns:p14="http://schemas.microsoft.com/office/powerpoint/2010/main" val="251598586"/>
       </p:ext>
     </p:extLst>
   </p:cSld>
@@ -4509,12 +4850,201 @@
           <a:chExt cx="0" cy="0"/>
         </a:xfrm>
       </p:grpSpPr>
+      <p:sp>
+        <p:nvSpPr>
+          <p:cNvPr id="5" name="TextBox 4">
+            <a:extLst>
+              <a:ext uri="{FF2B5EF4-FFF2-40B4-BE49-F238E27FC236}">
+                <a16:creationId xmlns:a16="http://schemas.microsoft.com/office/drawing/2014/main" id="{AD960A3A-4089-4DD9-9E58-E4EB3BC22B0A}"/>
+              </a:ext>
+            </a:extLst>
+          </p:cNvPr>
+          <p:cNvSpPr txBox="1"/>
+          <p:nvPr/>
+        </p:nvSpPr>
+        <p:spPr>
+          <a:xfrm>
+            <a:off x="642996" y="4571216"/>
+            <a:ext cx="10906008" cy="1115415"/>
+          </a:xfrm>
+          <a:prstGeom prst="rect">
+            <a:avLst/>
+          </a:prstGeom>
+        </p:spPr>
+        <p:txBody>
+          <a:bodyPr vert="horz" lIns="91440" tIns="45720" rIns="91440" bIns="45720" rtlCol="0" anchor="b">
+            <a:normAutofit/>
+          </a:bodyPr>
+          <a:lstStyle/>
+          <a:p>
+            <a:pPr algn="ctr">
+              <a:lnSpc>
+                <a:spcPct val="90000"/>
+              </a:lnSpc>
+              <a:spcBef>
+                <a:spcPct val="0"/>
+              </a:spcBef>
+              <a:spcAft>
+                <a:spcPts val="600"/>
+              </a:spcAft>
+            </a:pPr>
+            <a:r>
+              <a:rPr lang="en-US" sz="6000" dirty="0">
+                <a:latin typeface="+mj-lt"/>
+                <a:ea typeface="+mj-ea"/>
+                <a:cs typeface="+mj-cs"/>
+              </a:rPr>
+              <a:t>Top Five States Per Colony By Year</a:t>
+            </a:r>
+          </a:p>
+        </p:txBody>
+      </p:sp>
+      <p:pic>
+        <p:nvPicPr>
+          <p:cNvPr id="26" name="slide4">
+            <a:extLst>
+              <a:ext uri="{FF2B5EF4-FFF2-40B4-BE49-F238E27FC236}">
+                <a16:creationId xmlns:a16="http://schemas.microsoft.com/office/drawing/2014/main" id="{49004F7C-4AD0-4314-8725-178A599CB565}"/>
+              </a:ext>
+            </a:extLst>
+          </p:cNvPr>
+          <p:cNvPicPr>
+            <a:picLocks noChangeAspect="1"/>
+          </p:cNvPicPr>
+          <p:nvPr/>
+        </p:nvPicPr>
+        <p:blipFill rotWithShape="1">
+          <a:blip r:embed="rId2">
+            <a:extLst>
+              <a:ext uri="{28A0092B-C50C-407E-A947-70E740481C1C}">
+                <a14:useLocalDpi xmlns:a14="http://schemas.microsoft.com/office/drawing/2010/main" val="0"/>
+              </a:ext>
+            </a:extLst>
+          </a:blip>
+          <a:srcRect t="15765" b="42261"/>
+          <a:stretch/>
+        </p:blipFill>
+        <p:spPr>
+          <a:xfrm>
+            <a:off x="6261658" y="1889537"/>
+            <a:ext cx="2685705" cy="2359893"/>
+          </a:xfrm>
+          <a:prstGeom prst="rect">
+            <a:avLst/>
+          </a:prstGeom>
+        </p:spPr>
+      </p:pic>
+      <p:pic>
+        <p:nvPicPr>
+          <p:cNvPr id="25" name="slide3">
+            <a:extLst>
+              <a:ext uri="{FF2B5EF4-FFF2-40B4-BE49-F238E27FC236}">
+                <a16:creationId xmlns:a16="http://schemas.microsoft.com/office/drawing/2014/main" id="{8CD82DB0-8BBD-48BE-B735-26809B2458B1}"/>
+              </a:ext>
+            </a:extLst>
+          </p:cNvPr>
+          <p:cNvPicPr>
+            <a:picLocks noChangeAspect="1"/>
+          </p:cNvPicPr>
+          <p:nvPr/>
+        </p:nvPicPr>
+        <p:blipFill rotWithShape="1">
+          <a:blip r:embed="rId3">
+            <a:extLst>
+              <a:ext uri="{28A0092B-C50C-407E-A947-70E740481C1C}">
+                <a14:useLocalDpi xmlns:a14="http://schemas.microsoft.com/office/drawing/2010/main" val="0"/>
+              </a:ext>
+            </a:extLst>
+          </a:blip>
+          <a:srcRect t="15400" b="42795"/>
+          <a:stretch/>
+        </p:blipFill>
+        <p:spPr>
+          <a:xfrm>
+            <a:off x="3328518" y="1901097"/>
+            <a:ext cx="2685705" cy="2350391"/>
+          </a:xfrm>
+          <a:prstGeom prst="rect">
+            <a:avLst/>
+          </a:prstGeom>
+        </p:spPr>
+      </p:pic>
+      <p:pic>
+        <p:nvPicPr>
+          <p:cNvPr id="28" name="slide5">
+            <a:extLst>
+              <a:ext uri="{FF2B5EF4-FFF2-40B4-BE49-F238E27FC236}">
+                <a16:creationId xmlns:a16="http://schemas.microsoft.com/office/drawing/2014/main" id="{1D325E3B-61C9-4E37-BC00-BB6B743E64A9}"/>
+              </a:ext>
+            </a:extLst>
+          </p:cNvPr>
+          <p:cNvPicPr>
+            <a:picLocks noChangeAspect="1"/>
+          </p:cNvPicPr>
+          <p:nvPr/>
+        </p:nvPicPr>
+        <p:blipFill rotWithShape="1">
+          <a:blip r:embed="rId4">
+            <a:extLst>
+              <a:ext uri="{28A0092B-C50C-407E-A947-70E740481C1C}">
+                <a14:useLocalDpi xmlns:a14="http://schemas.microsoft.com/office/drawing/2010/main" val="0"/>
+              </a:ext>
+            </a:extLst>
+          </a:blip>
+          <a:srcRect t="20686" b="41742"/>
+          <a:stretch/>
+        </p:blipFill>
+        <p:spPr>
+          <a:xfrm>
+            <a:off x="9467119" y="1889537"/>
+            <a:ext cx="2388545" cy="2359893"/>
+          </a:xfrm>
+          <a:prstGeom prst="rect">
+            <a:avLst/>
+          </a:prstGeom>
+        </p:spPr>
+      </p:pic>
+      <p:pic>
+        <p:nvPicPr>
+          <p:cNvPr id="24" name="slide2">
+            <a:extLst>
+              <a:ext uri="{FF2B5EF4-FFF2-40B4-BE49-F238E27FC236}">
+                <a16:creationId xmlns:a16="http://schemas.microsoft.com/office/drawing/2014/main" id="{E6EE6FCB-1B33-4D99-8659-5609B737BF16}"/>
+              </a:ext>
+            </a:extLst>
+          </p:cNvPr>
+          <p:cNvPicPr>
+            <a:picLocks noChangeAspect="1"/>
+          </p:cNvPicPr>
+          <p:nvPr/>
+        </p:nvPicPr>
+        <p:blipFill rotWithShape="1">
+          <a:blip r:embed="rId5">
+            <a:extLst>
+              <a:ext uri="{28A0092B-C50C-407E-A947-70E740481C1C}">
+                <a14:useLocalDpi xmlns:a14="http://schemas.microsoft.com/office/drawing/2010/main" val="0"/>
+              </a:ext>
+            </a:extLst>
+          </a:blip>
+          <a:srcRect t="15765" b="42605"/>
+          <a:stretch/>
+        </p:blipFill>
+        <p:spPr>
+          <a:xfrm>
+            <a:off x="400496" y="1910936"/>
+            <a:ext cx="2685706" cy="2340552"/>
+          </a:xfrm>
+          <a:prstGeom prst="rect">
+            <a:avLst/>
+          </a:prstGeom>
+        </p:spPr>
+      </p:pic>
       <p:cxnSp>
         <p:nvCxnSpPr>
-          <p:cNvPr id="12" name="Straight Connector 11">
-            <a:extLst>
-              <a:ext uri="{FF2B5EF4-FFF2-40B4-BE49-F238E27FC236}">
-                <a16:creationId xmlns:a16="http://schemas.microsoft.com/office/drawing/2014/main" id="{DFDA47BC-3069-47F5-8257-24B3B1F76A08}"/>
+          <p:cNvPr id="46" name="Straight Connector 45">
+            <a:extLst>
+              <a:ext uri="{FF2B5EF4-FFF2-40B4-BE49-F238E27FC236}">
+                <a16:creationId xmlns:a16="http://schemas.microsoft.com/office/drawing/2014/main" id="{8733B210-462D-42A4-BA20-36743BB5E686}"/>
               </a:ext>
               <a:ext uri="{C183D7F6-B498-43B3-948B-1728B52AA6E4}">
                 <adec:decorative xmlns:adec="http://schemas.microsoft.com/office/drawing/2017/decorative" val="1"/>
@@ -4534,15 +5064,15 @@
         </p:nvCxnSpPr>
         <p:spPr>
           <a:xfrm>
-            <a:off x="3129276" y="477749"/>
-            <a:ext cx="0" cy="3657600"/>
+            <a:off x="1524000" y="5778706"/>
+            <a:ext cx="9144000" cy="0"/>
           </a:xfrm>
           <a:prstGeom prst="line">
             <a:avLst/>
           </a:prstGeom>
-          <a:ln w="101600" cmpd="dbl">
+          <a:ln w="19050">
             <a:solidFill>
-              <a:srgbClr val="595959"/>
+              <a:srgbClr val="FFF3AF"/>
             </a:solidFill>
           </a:ln>
         </p:spPr>
@@ -4561,6 +5091,80 @@
           </a:fontRef>
         </p:style>
       </p:cxnSp>
+    </p:spTree>
+    <p:extLst>
+      <p:ext uri="{BB962C8B-B14F-4D97-AF65-F5344CB8AC3E}">
+        <p14:creationId xmlns:p14="http://schemas.microsoft.com/office/powerpoint/2010/main" val="95992585"/>
+      </p:ext>
+    </p:extLst>
+  </p:cSld>
+  <p:clrMapOvr>
+    <a:masterClrMapping/>
+  </p:clrMapOvr>
+</p:sld>
+</file>
+
+<file path=ppt/slides/slide5.xml><?xml version="1.0" encoding="utf-8"?>
+<p:sld xmlns:a="http://schemas.openxmlformats.org/drawingml/2006/main" xmlns:r="http://schemas.openxmlformats.org/officeDocument/2006/relationships" xmlns:p="http://schemas.openxmlformats.org/presentationml/2006/main">
+  <p:cSld>
+    <p:bg>
+      <p:bgPr>
+        <a:solidFill>
+          <a:schemeClr val="bg1"/>
+        </a:solidFill>
+        <a:effectLst/>
+      </p:bgPr>
+    </p:bg>
+    <p:spTree>
+      <p:nvGrpSpPr>
+        <p:cNvPr id="1" name=""/>
+        <p:cNvGrpSpPr/>
+        <p:nvPr/>
+      </p:nvGrpSpPr>
+      <p:grpSpPr>
+        <a:xfrm>
+          <a:off x="0" y="0"/>
+          <a:ext cx="0" cy="0"/>
+          <a:chOff x="0" y="0"/>
+          <a:chExt cx="0" cy="0"/>
+        </a:xfrm>
+      </p:grpSpPr>
+      <p:sp>
+        <p:nvSpPr>
+          <p:cNvPr id="2" name="Title 1">
+            <a:extLst>
+              <a:ext uri="{FF2B5EF4-FFF2-40B4-BE49-F238E27FC236}">
+                <a16:creationId xmlns:a16="http://schemas.microsoft.com/office/drawing/2014/main" id="{F584F4EA-1F7E-49B6-B448-0AFAB8351DB3}"/>
+              </a:ext>
+            </a:extLst>
+          </p:cNvPr>
+          <p:cNvSpPr>
+            <a:spLocks noGrp="1"/>
+          </p:cNvSpPr>
+          <p:nvPr>
+            <p:ph type="title"/>
+          </p:nvPr>
+        </p:nvSpPr>
+        <p:spPr>
+          <a:xfrm>
+            <a:off x="642996" y="4571216"/>
+            <a:ext cx="10906008" cy="1115415"/>
+          </a:xfrm>
+        </p:spPr>
+        <p:txBody>
+          <a:bodyPr vert="horz" lIns="91440" tIns="45720" rIns="91440" bIns="45720" rtlCol="0" anchor="b">
+            <a:normAutofit/>
+          </a:bodyPr>
+          <a:lstStyle/>
+          <a:p>
+            <a:pPr algn="ctr"/>
+            <a:r>
+              <a:rPr lang="en-US" sz="5100" dirty="0"/>
+              <a:t>Bottom Five States Per Colony By Year</a:t>
+            </a:r>
+          </a:p>
+        </p:txBody>
+      </p:sp>
       <p:pic>
         <p:nvPicPr>
           <p:cNvPr id="6" name="slide9">
@@ -4588,125 +5192,20 @@
         </p:blipFill>
         <p:spPr>
           <a:xfrm>
-            <a:off x="6256859" y="966122"/>
-            <a:ext cx="2648371" cy="2725481"/>
+            <a:off x="6328131" y="1647450"/>
+            <a:ext cx="2685705" cy="2763902"/>
           </a:xfrm>
           <a:prstGeom prst="rect">
             <a:avLst/>
           </a:prstGeom>
         </p:spPr>
       </p:pic>
-      <p:sp>
-        <p:nvSpPr>
-          <p:cNvPr id="14" name="Rectangle 13">
-            <a:extLst>
-              <a:ext uri="{FF2B5EF4-FFF2-40B4-BE49-F238E27FC236}">
-                <a16:creationId xmlns:a16="http://schemas.microsoft.com/office/drawing/2014/main" id="{7AE95D8F-9825-4222-8846-E3461598CC62}"/>
-              </a:ext>
-              <a:ext uri="{C183D7F6-B498-43B3-948B-1728B52AA6E4}">
-                <adec:decorative xmlns:adec="http://schemas.microsoft.com/office/drawing/2017/decorative" val="1"/>
-              </a:ext>
-            </a:extLst>
-          </p:cNvPr>
-          <p:cNvSpPr>
-            <a:spLocks noGrp="1" noRot="1" noChangeAspect="1" noMove="1" noResize="1" noEditPoints="1" noAdjustHandles="1" noChangeArrowheads="1" noChangeShapeType="1" noTextEdit="1"/>
-          </p:cNvSpPr>
-          <p:nvPr>
-            <p:extLst>
-              <p:ext uri="{386F3935-93C4-4BCD-93E2-E3B085C9AB24}">
-                <p16:designElem xmlns:p16="http://schemas.microsoft.com/office/powerpoint/2015/main" val="1"/>
-              </p:ext>
-            </p:extLst>
-          </p:nvPr>
-        </p:nvSpPr>
-        <p:spPr bwMode="ltGray">
-          <a:xfrm>
-            <a:off x="378068" y="4633546"/>
-            <a:ext cx="11438793" cy="1844256"/>
-          </a:xfrm>
-          <a:prstGeom prst="rect">
-            <a:avLst/>
-          </a:prstGeom>
-          <a:solidFill>
-            <a:srgbClr val="404040"/>
-          </a:solidFill>
-          <a:ln w="127000" cap="sq" cmpd="thinThick">
-            <a:solidFill>
-              <a:srgbClr val="404040"/>
-            </a:solidFill>
-          </a:ln>
-        </p:spPr>
-        <p:style>
-          <a:lnRef idx="2">
-            <a:schemeClr val="accent1">
-              <a:shade val="50000"/>
-            </a:schemeClr>
-          </a:lnRef>
-          <a:fillRef idx="1">
-            <a:schemeClr val="accent1"/>
-          </a:fillRef>
-          <a:effectRef idx="0">
-            <a:schemeClr val="accent1"/>
-          </a:effectRef>
-          <a:fontRef idx="minor">
-            <a:schemeClr val="lt1"/>
-          </a:fontRef>
-        </p:style>
-        <p:txBody>
-          <a:bodyPr rtlCol="0" anchor="ctr"/>
-          <a:lstStyle/>
-          <a:p>
-            <a:pPr algn="ctr"/>
-            <a:endParaRPr lang="en-US"/>
-          </a:p>
-        </p:txBody>
-      </p:sp>
-      <p:sp>
-        <p:nvSpPr>
-          <p:cNvPr id="2" name="Title 1">
-            <a:extLst>
-              <a:ext uri="{FF2B5EF4-FFF2-40B4-BE49-F238E27FC236}">
-                <a16:creationId xmlns:a16="http://schemas.microsoft.com/office/drawing/2014/main" id="{F584F4EA-1F7E-49B6-B448-0AFAB8351DB3}"/>
-              </a:ext>
-            </a:extLst>
-          </p:cNvPr>
-          <p:cNvSpPr>
-            <a:spLocks noGrp="1"/>
-          </p:cNvSpPr>
-          <p:nvPr>
-            <p:ph type="title"/>
-          </p:nvPr>
-        </p:nvSpPr>
-        <p:spPr>
-          <a:xfrm>
-            <a:off x="527538" y="4756638"/>
-            <a:ext cx="11139854" cy="930447"/>
-          </a:xfrm>
-        </p:spPr>
-        <p:txBody>
-          <a:bodyPr vert="horz" lIns="91440" tIns="45720" rIns="91440" bIns="45720" rtlCol="0" anchor="b">
-            <a:normAutofit/>
-          </a:bodyPr>
-          <a:lstStyle/>
-          <a:p>
-            <a:pPr algn="ctr"/>
-            <a:r>
-              <a:rPr lang="en-US" sz="5400" dirty="0">
-                <a:solidFill>
-                  <a:srgbClr val="FFFFFF"/>
-                </a:solidFill>
-              </a:rPr>
-              <a:t>Bottom Five States Per Colony By Year</a:t>
-            </a:r>
-          </a:p>
-        </p:txBody>
-      </p:sp>
       <p:pic>
         <p:nvPicPr>
-          <p:cNvPr id="4" name="slide7">
-            <a:extLst>
-              <a:ext uri="{FF2B5EF4-FFF2-40B4-BE49-F238E27FC236}">
-                <a16:creationId xmlns:a16="http://schemas.microsoft.com/office/drawing/2014/main" id="{D41B3D4C-E6BC-4128-844C-82235BD392C1}"/>
+          <p:cNvPr id="7" name="slide10">
+            <a:extLst>
+              <a:ext uri="{FF2B5EF4-FFF2-40B4-BE49-F238E27FC236}">
+                <a16:creationId xmlns:a16="http://schemas.microsoft.com/office/drawing/2014/main" id="{5AC19962-9CA1-4F0A-9C1C-21370BF04750}"/>
               </a:ext>
             </a:extLst>
           </p:cNvPr>
@@ -4723,13 +5222,13 @@
               </a:ext>
             </a:extLst>
           </a:blip>
-          <a:srcRect b="42709"/>
+          <a:srcRect b="40796"/>
           <a:stretch/>
         </p:blipFill>
         <p:spPr>
           <a:xfrm>
-            <a:off x="308938" y="979127"/>
-            <a:ext cx="2659472" cy="2736905"/>
+            <a:off x="9298302" y="1635093"/>
+            <a:ext cx="2685705" cy="2856191"/>
           </a:xfrm>
           <a:prstGeom prst="rect">
             <a:avLst/>
@@ -4765,124 +5264,20 @@
         </p:blipFill>
         <p:spPr>
           <a:xfrm>
-            <a:off x="3290143" y="979127"/>
-            <a:ext cx="2646677" cy="2654845"/>
+            <a:off x="3611164" y="1647449"/>
+            <a:ext cx="2637795" cy="2645936"/>
           </a:xfrm>
           <a:prstGeom prst="rect">
             <a:avLst/>
           </a:prstGeom>
         </p:spPr>
       </p:pic>
-      <p:cxnSp>
-        <p:nvCxnSpPr>
-          <p:cNvPr id="16" name="Straight Connector 15">
-            <a:extLst>
-              <a:ext uri="{FF2B5EF4-FFF2-40B4-BE49-F238E27FC236}">
-                <a16:creationId xmlns:a16="http://schemas.microsoft.com/office/drawing/2014/main" id="{942B920A-73AD-402A-8EEF-B88E1A9398B8}"/>
-              </a:ext>
-              <a:ext uri="{C183D7F6-B498-43B3-948B-1728B52AA6E4}">
-                <adec:decorative xmlns:adec="http://schemas.microsoft.com/office/drawing/2017/decorative" val="1"/>
-              </a:ext>
-            </a:extLst>
-          </p:cNvPr>
-          <p:cNvCxnSpPr>
-            <a:cxnSpLocks noGrp="1" noRot="1" noChangeAspect="1" noMove="1" noResize="1" noEditPoints="1" noAdjustHandles="1" noChangeArrowheads="1" noChangeShapeType="1"/>
-          </p:cNvCxnSpPr>
-          <p:nvPr>
-            <p:extLst>
-              <p:ext uri="{386F3935-93C4-4BCD-93E2-E3B085C9AB24}">
-                <p16:designElem xmlns:p16="http://schemas.microsoft.com/office/powerpoint/2015/main" val="1"/>
-              </p:ext>
-            </p:extLst>
-          </p:nvPr>
-        </p:nvCxnSpPr>
-        <p:spPr>
-          <a:xfrm>
-            <a:off x="6097686" y="477749"/>
-            <a:ext cx="0" cy="3657600"/>
-          </a:xfrm>
-          <a:prstGeom prst="line">
-            <a:avLst/>
-          </a:prstGeom>
-          <a:ln w="101600" cmpd="dbl">
-            <a:solidFill>
-              <a:srgbClr val="595959"/>
-            </a:solidFill>
-          </a:ln>
-        </p:spPr>
-        <p:style>
-          <a:lnRef idx="1">
-            <a:schemeClr val="accent1"/>
-          </a:lnRef>
-          <a:fillRef idx="0">
-            <a:schemeClr val="accent1"/>
-          </a:fillRef>
-          <a:effectRef idx="0">
-            <a:schemeClr val="accent1"/>
-          </a:effectRef>
-          <a:fontRef idx="minor">
-            <a:schemeClr val="tx1"/>
-          </a:fontRef>
-        </p:style>
-      </p:cxnSp>
-      <p:cxnSp>
-        <p:nvCxnSpPr>
-          <p:cNvPr id="18" name="Straight Connector 17">
-            <a:extLst>
-              <a:ext uri="{FF2B5EF4-FFF2-40B4-BE49-F238E27FC236}">
-                <a16:creationId xmlns:a16="http://schemas.microsoft.com/office/drawing/2014/main" id="{00C9EB70-BC82-414A-BF8D-AD7FC6727616}"/>
-              </a:ext>
-              <a:ext uri="{C183D7F6-B498-43B3-948B-1728B52AA6E4}">
-                <adec:decorative xmlns:adec="http://schemas.microsoft.com/office/drawing/2017/decorative" val="1"/>
-              </a:ext>
-            </a:extLst>
-          </p:cNvPr>
-          <p:cNvCxnSpPr>
-            <a:cxnSpLocks noGrp="1" noRot="1" noChangeAspect="1" noMove="1" noResize="1" noEditPoints="1" noAdjustHandles="1" noChangeArrowheads="1" noChangeShapeType="1"/>
-          </p:cNvCxnSpPr>
-          <p:nvPr>
-            <p:extLst>
-              <p:ext uri="{386F3935-93C4-4BCD-93E2-E3B085C9AB24}">
-                <p16:designElem xmlns:p16="http://schemas.microsoft.com/office/powerpoint/2015/main" val="1"/>
-              </p:ext>
-            </p:extLst>
-          </p:nvPr>
-        </p:nvCxnSpPr>
-        <p:spPr>
-          <a:xfrm>
-            <a:off x="9066096" y="477749"/>
-            <a:ext cx="0" cy="3657600"/>
-          </a:xfrm>
-          <a:prstGeom prst="line">
-            <a:avLst/>
-          </a:prstGeom>
-          <a:ln w="101600" cmpd="dbl">
-            <a:solidFill>
-              <a:srgbClr val="595959"/>
-            </a:solidFill>
-          </a:ln>
-        </p:spPr>
-        <p:style>
-          <a:lnRef idx="1">
-            <a:schemeClr val="accent1"/>
-          </a:lnRef>
-          <a:fillRef idx="0">
-            <a:schemeClr val="accent1"/>
-          </a:fillRef>
-          <a:effectRef idx="0">
-            <a:schemeClr val="accent1"/>
-          </a:effectRef>
-          <a:fontRef idx="minor">
-            <a:schemeClr val="tx1"/>
-          </a:fontRef>
-        </p:style>
-      </p:cxnSp>
       <p:pic>
         <p:nvPicPr>
-          <p:cNvPr id="7" name="slide10">
-            <a:extLst>
-              <a:ext uri="{FF2B5EF4-FFF2-40B4-BE49-F238E27FC236}">
-                <a16:creationId xmlns:a16="http://schemas.microsoft.com/office/drawing/2014/main" id="{5AC19962-9CA1-4F0A-9C1C-21370BF04750}"/>
+          <p:cNvPr id="4" name="slide7">
+            <a:extLst>
+              <a:ext uri="{FF2B5EF4-FFF2-40B4-BE49-F238E27FC236}">
+                <a16:creationId xmlns:a16="http://schemas.microsoft.com/office/drawing/2014/main" id="{D41B3D4C-E6BC-4128-844C-82235BD392C1}"/>
               </a:ext>
             </a:extLst>
           </p:cNvPr>
@@ -4899,13 +5294,13 @@
               </a:ext>
             </a:extLst>
           </a:blip>
-          <a:srcRect b="40796"/>
+          <a:srcRect b="42709"/>
           <a:stretch/>
         </p:blipFill>
         <p:spPr>
           <a:xfrm>
-            <a:off x="9226963" y="979127"/>
-            <a:ext cx="2648372" cy="2816488"/>
+            <a:off x="561821" y="1635093"/>
+            <a:ext cx="2685706" cy="2763903"/>
           </a:xfrm>
           <a:prstGeom prst="rect">
             <a:avLst/>
@@ -4914,10 +5309,10 @@
       </p:pic>
       <p:cxnSp>
         <p:nvCxnSpPr>
-          <p:cNvPr id="20" name="Straight Connector 19">
-            <a:extLst>
-              <a:ext uri="{FF2B5EF4-FFF2-40B4-BE49-F238E27FC236}">
-                <a16:creationId xmlns:a16="http://schemas.microsoft.com/office/drawing/2014/main" id="{3217665F-0036-444A-8D4A-33AF36A36A42}"/>
+          <p:cNvPr id="25" name="Straight Connector 24">
+            <a:extLst>
+              <a:ext uri="{FF2B5EF4-FFF2-40B4-BE49-F238E27FC236}">
+                <a16:creationId xmlns:a16="http://schemas.microsoft.com/office/drawing/2014/main" id="{8733B210-462D-42A4-BA20-36743BB5E686}"/>
               </a:ext>
               <a:ext uri="{C183D7F6-B498-43B3-948B-1728B52AA6E4}">
                 <adec:decorative xmlns:adec="http://schemas.microsoft.com/office/drawing/2017/decorative" val="1"/>
@@ -4937,15 +5332,15 @@
         </p:nvCxnSpPr>
         <p:spPr>
           <a:xfrm>
-            <a:off x="2209800" y="5738691"/>
-            <a:ext cx="7772400" cy="0"/>
+            <a:off x="1524000" y="5778706"/>
+            <a:ext cx="9144000" cy="0"/>
           </a:xfrm>
           <a:prstGeom prst="line">
             <a:avLst/>
           </a:prstGeom>
-          <a:ln w="22225">
+          <a:ln w="19050">
             <a:solidFill>
-              <a:srgbClr val="D9D9D9"/>
+              <a:srgbClr val="FFCA7A"/>
             </a:solidFill>
           </a:ln>
         </p:spPr>
@@ -4977,9 +5372,17 @@
 </p:sld>
 </file>
 
-<file path=ppt/slides/slide5.xml><?xml version="1.0" encoding="utf-8"?>
+<file path=ppt/slides/slide6.xml><?xml version="1.0" encoding="utf-8"?>
 <p:sld xmlns:a="http://schemas.openxmlformats.org/drawingml/2006/main" xmlns:r="http://schemas.openxmlformats.org/officeDocument/2006/relationships" xmlns:p="http://schemas.openxmlformats.org/presentationml/2006/main">
   <p:cSld>
+    <p:bg>
+      <p:bgPr>
+        <a:solidFill>
+          <a:schemeClr val="bg1"/>
+        </a:solidFill>
+        <a:effectLst/>
+      </p:bgPr>
+    </p:bg>
     <p:spTree>
       <p:nvGrpSpPr>
         <p:cNvPr id="1" name=""/>
@@ -4994,36 +5397,212 @@
           <a:chExt cx="0" cy="0"/>
         </a:xfrm>
       </p:grpSpPr>
+      <p:sp>
+        <p:nvSpPr>
+          <p:cNvPr id="33" name="Rectangle 32">
+            <a:extLst>
+              <a:ext uri="{FF2B5EF4-FFF2-40B4-BE49-F238E27FC236}">
+                <a16:creationId xmlns:a16="http://schemas.microsoft.com/office/drawing/2014/main" id="{6753252F-4873-4F63-801D-CC719279A7D5}"/>
+              </a:ext>
+              <a:ext uri="{C183D7F6-B498-43B3-948B-1728B52AA6E4}">
+                <adec:decorative xmlns:adec="http://schemas.microsoft.com/office/drawing/2017/decorative" val="1"/>
+              </a:ext>
+            </a:extLst>
+          </p:cNvPr>
+          <p:cNvSpPr>
+            <a:spLocks noGrp="1" noRot="1" noChangeAspect="1" noMove="1" noResize="1" noEditPoints="1" noAdjustHandles="1" noChangeArrowheads="1" noChangeShapeType="1" noTextEdit="1"/>
+          </p:cNvSpPr>
+          <p:nvPr>
+            <p:extLst>
+              <p:ext uri="{386F3935-93C4-4BCD-93E2-E3B085C9AB24}">
+                <p16:designElem xmlns:p16="http://schemas.microsoft.com/office/powerpoint/2015/main" val="1"/>
+              </p:ext>
+            </p:extLst>
+          </p:nvPr>
+        </p:nvSpPr>
+        <p:spPr>
+          <a:xfrm>
+            <a:off x="0" y="0"/>
+            <a:ext cx="12192000" cy="6858000"/>
+          </a:xfrm>
+          <a:prstGeom prst="rect">
+            <a:avLst/>
+          </a:prstGeom>
+          <a:solidFill>
+            <a:srgbClr val="FFFFFF"/>
+          </a:solidFill>
+          <a:ln>
+            <a:noFill/>
+          </a:ln>
+        </p:spPr>
+        <p:style>
+          <a:lnRef idx="2">
+            <a:schemeClr val="accent1">
+              <a:shade val="50000"/>
+            </a:schemeClr>
+          </a:lnRef>
+          <a:fillRef idx="1">
+            <a:schemeClr val="accent1"/>
+          </a:fillRef>
+          <a:effectRef idx="0">
+            <a:schemeClr val="accent1"/>
+          </a:effectRef>
+          <a:fontRef idx="minor">
+            <a:schemeClr val="lt1"/>
+          </a:fontRef>
+        </p:style>
+        <p:txBody>
+          <a:bodyPr rtlCol="0" anchor="ctr"/>
+          <a:lstStyle/>
+          <a:p>
+            <a:pPr algn="ctr"/>
+            <a:endParaRPr lang="en-US"/>
+          </a:p>
+        </p:txBody>
+      </p:sp>
+      <p:sp>
+        <p:nvSpPr>
+          <p:cNvPr id="35" name="Rectangle 34">
+            <a:extLst>
+              <a:ext uri="{FF2B5EF4-FFF2-40B4-BE49-F238E27FC236}">
+                <a16:creationId xmlns:a16="http://schemas.microsoft.com/office/drawing/2014/main" id="{047C8CCB-F95D-4249-92DD-651249D3535A}"/>
+              </a:ext>
+              <a:ext uri="{C183D7F6-B498-43B3-948B-1728B52AA6E4}">
+                <adec:decorative xmlns:adec="http://schemas.microsoft.com/office/drawing/2017/decorative" val="1"/>
+              </a:ext>
+            </a:extLst>
+          </p:cNvPr>
+          <p:cNvSpPr>
+            <a:spLocks noGrp="1" noRot="1" noChangeAspect="1" noMove="1" noResize="1" noEditPoints="1" noAdjustHandles="1" noChangeArrowheads="1" noChangeShapeType="1" noTextEdit="1"/>
+          </p:cNvSpPr>
+          <p:nvPr>
+            <p:extLst>
+              <p:ext uri="{386F3935-93C4-4BCD-93E2-E3B085C9AB24}">
+                <p16:designElem xmlns:p16="http://schemas.microsoft.com/office/powerpoint/2015/main" val="1"/>
+              </p:ext>
+            </p:extLst>
+          </p:nvPr>
+        </p:nvSpPr>
+        <p:spPr>
+          <a:xfrm>
+            <a:off x="0" y="0"/>
+            <a:ext cx="2013557" cy="6858000"/>
+          </a:xfrm>
+          <a:prstGeom prst="rect">
+            <a:avLst/>
+          </a:prstGeom>
+          <a:solidFill>
+            <a:srgbClr val="6B8866"/>
+          </a:solidFill>
+          <a:ln>
+            <a:noFill/>
+          </a:ln>
+        </p:spPr>
+        <p:style>
+          <a:lnRef idx="2">
+            <a:schemeClr val="accent1">
+              <a:shade val="50000"/>
+            </a:schemeClr>
+          </a:lnRef>
+          <a:fillRef idx="1">
+            <a:schemeClr val="accent1"/>
+          </a:fillRef>
+          <a:effectRef idx="0">
+            <a:schemeClr val="accent1"/>
+          </a:effectRef>
+          <a:fontRef idx="minor">
+            <a:schemeClr val="lt1"/>
+          </a:fontRef>
+        </p:style>
+        <p:txBody>
+          <a:bodyPr rtlCol="0" anchor="ctr"/>
+          <a:lstStyle/>
+          <a:p>
+            <a:pPr algn="ctr"/>
+            <a:endParaRPr lang="en-US"/>
+          </a:p>
+        </p:txBody>
+      </p:sp>
+      <p:sp>
+        <p:nvSpPr>
+          <p:cNvPr id="2" name="Title 1">
+            <a:extLst>
+              <a:ext uri="{FF2B5EF4-FFF2-40B4-BE49-F238E27FC236}">
+                <a16:creationId xmlns:a16="http://schemas.microsoft.com/office/drawing/2014/main" id="{F584F4EA-1F7E-49B6-B448-0AFAB8351DB3}"/>
+              </a:ext>
+            </a:extLst>
+          </p:cNvPr>
+          <p:cNvSpPr>
+            <a:spLocks noGrp="1"/>
+          </p:cNvSpPr>
+          <p:nvPr>
+            <p:ph type="title"/>
+          </p:nvPr>
+        </p:nvSpPr>
+        <p:spPr>
+          <a:xfrm>
+            <a:off x="640080" y="2074363"/>
+            <a:ext cx="2752354" cy="2709275"/>
+          </a:xfrm>
+          <a:prstGeom prst="ellipse">
+            <a:avLst/>
+          </a:prstGeom>
+          <a:solidFill>
+            <a:srgbClr val="262626"/>
+          </a:solidFill>
+          <a:ln w="174625" cmpd="thinThick">
+            <a:solidFill>
+              <a:srgbClr val="262626"/>
+            </a:solidFill>
+          </a:ln>
+        </p:spPr>
+        <p:txBody>
+          <a:bodyPr vert="horz" lIns="91440" tIns="45720" rIns="91440" bIns="45720" rtlCol="0" anchor="ctr">
+            <a:normAutofit/>
+          </a:bodyPr>
+          <a:lstStyle/>
+          <a:p>
+            <a:pPr algn="ctr"/>
+            <a:r>
+              <a:rPr lang="en-US" sz="2600" kern="1200" dirty="0">
+                <a:solidFill>
+                  <a:srgbClr val="FFFFFF"/>
+                </a:solidFill>
+                <a:latin typeface="+mj-lt"/>
+                <a:ea typeface="+mj-ea"/>
+                <a:cs typeface="+mj-cs"/>
+              </a:rPr>
+              <a:t>Colonies Added Per State, 2015-2018</a:t>
+            </a:r>
+          </a:p>
+        </p:txBody>
+      </p:sp>
       <p:pic>
         <p:nvPicPr>
-          <p:cNvPr id="11" name="slide11">
-            <a:extLst>
-              <a:ext uri="{FF2B5EF4-FFF2-40B4-BE49-F238E27FC236}">
-                <a16:creationId xmlns:a16="http://schemas.microsoft.com/office/drawing/2014/main" id="{9591AFB5-564A-44BE-AC7F-4978367A2614}"/>
+          <p:cNvPr id="23" name="Content Placeholder 8">
+            <a:extLst>
+              <a:ext uri="{FF2B5EF4-FFF2-40B4-BE49-F238E27FC236}">
+                <a16:creationId xmlns:a16="http://schemas.microsoft.com/office/drawing/2014/main" id="{C730C8F6-18A8-4C18-9243-E3273D455D15}"/>
               </a:ext>
             </a:extLst>
           </p:cNvPr>
           <p:cNvPicPr>
-            <a:picLocks noChangeAspect="1"/>
+            <a:picLocks noGrp="1" noChangeAspect="1"/>
           </p:cNvPicPr>
-          <p:nvPr/>
+          <p:nvPr>
+            <p:ph idx="1"/>
+          </p:nvPr>
         </p:nvPicPr>
         <p:blipFill>
-          <a:blip r:embed="rId2">
-            <a:extLst>
-              <a:ext uri="{28A0092B-C50C-407E-A947-70E740481C1C}">
-                <a14:useLocalDpi xmlns:a14="http://schemas.microsoft.com/office/drawing/2010/main" val="0"/>
-              </a:ext>
-            </a:extLst>
-          </a:blip>
+          <a:blip r:embed="rId2"/>
           <a:stretch>
             <a:fillRect/>
           </a:stretch>
         </p:blipFill>
         <p:spPr>
           <a:xfrm>
-            <a:off x="1323975" y="719137"/>
-            <a:ext cx="9544050" cy="5419725"/>
+            <a:off x="3504856" y="1059543"/>
+            <a:ext cx="8406462" cy="4602537"/>
           </a:xfrm>
           <a:prstGeom prst="rect">
             <a:avLst/>
@@ -5033,7 +5612,7 @@
     </p:spTree>
     <p:extLst>
       <p:ext uri="{BB962C8B-B14F-4D97-AF65-F5344CB8AC3E}">
-        <p14:creationId xmlns:p14="http://schemas.microsoft.com/office/powerpoint/2010/main" val="2731790437"/>
+        <p14:creationId xmlns:p14="http://schemas.microsoft.com/office/powerpoint/2010/main" val="2361080408"/>
       </p:ext>
     </p:extLst>
   </p:cSld>
@@ -5043,9 +5622,17 @@
 </p:sld>
 </file>
 
-<file path=ppt/slides/slide6.xml><?xml version="1.0" encoding="utf-8"?>
+<file path=ppt/slides/slide7.xml><?xml version="1.0" encoding="utf-8"?>
 <p:sld xmlns:a="http://schemas.openxmlformats.org/drawingml/2006/main" xmlns:r="http://schemas.openxmlformats.org/officeDocument/2006/relationships" xmlns:p="http://schemas.openxmlformats.org/presentationml/2006/main">
   <p:cSld>
+    <p:bg>
+      <p:bgPr>
+        <a:solidFill>
+          <a:schemeClr val="bg1"/>
+        </a:solidFill>
+        <a:effectLst/>
+      </p:bgPr>
+    </p:bg>
     <p:spTree>
       <p:nvGrpSpPr>
         <p:cNvPr id="1" name=""/>
@@ -5060,12 +5647,192 @@
           <a:chExt cx="0" cy="0"/>
         </a:xfrm>
       </p:grpSpPr>
+      <p:sp>
+        <p:nvSpPr>
+          <p:cNvPr id="33" name="Rectangle 32">
+            <a:extLst>
+              <a:ext uri="{FF2B5EF4-FFF2-40B4-BE49-F238E27FC236}">
+                <a16:creationId xmlns:a16="http://schemas.microsoft.com/office/drawing/2014/main" id="{6753252F-4873-4F63-801D-CC719279A7D5}"/>
+              </a:ext>
+              <a:ext uri="{C183D7F6-B498-43B3-948B-1728B52AA6E4}">
+                <adec:decorative xmlns:adec="http://schemas.microsoft.com/office/drawing/2017/decorative" val="1"/>
+              </a:ext>
+            </a:extLst>
+          </p:cNvPr>
+          <p:cNvSpPr>
+            <a:spLocks noGrp="1" noRot="1" noChangeAspect="1" noMove="1" noResize="1" noEditPoints="1" noAdjustHandles="1" noChangeArrowheads="1" noChangeShapeType="1" noTextEdit="1"/>
+          </p:cNvSpPr>
+          <p:nvPr>
+            <p:extLst>
+              <p:ext uri="{386F3935-93C4-4BCD-93E2-E3B085C9AB24}">
+                <p16:designElem xmlns:p16="http://schemas.microsoft.com/office/powerpoint/2015/main" val="1"/>
+              </p:ext>
+            </p:extLst>
+          </p:nvPr>
+        </p:nvSpPr>
+        <p:spPr>
+          <a:xfrm>
+            <a:off x="0" y="0"/>
+            <a:ext cx="12192000" cy="6858000"/>
+          </a:xfrm>
+          <a:prstGeom prst="rect">
+            <a:avLst/>
+          </a:prstGeom>
+          <a:solidFill>
+            <a:srgbClr val="FFFFFF"/>
+          </a:solidFill>
+          <a:ln>
+            <a:noFill/>
+          </a:ln>
+        </p:spPr>
+        <p:style>
+          <a:lnRef idx="2">
+            <a:schemeClr val="accent1">
+              <a:shade val="50000"/>
+            </a:schemeClr>
+          </a:lnRef>
+          <a:fillRef idx="1">
+            <a:schemeClr val="accent1"/>
+          </a:fillRef>
+          <a:effectRef idx="0">
+            <a:schemeClr val="accent1"/>
+          </a:effectRef>
+          <a:fontRef idx="minor">
+            <a:schemeClr val="lt1"/>
+          </a:fontRef>
+        </p:style>
+        <p:txBody>
+          <a:bodyPr rtlCol="0" anchor="ctr"/>
+          <a:lstStyle/>
+          <a:p>
+            <a:pPr algn="ctr"/>
+            <a:endParaRPr lang="en-US"/>
+          </a:p>
+        </p:txBody>
+      </p:sp>
+      <p:sp>
+        <p:nvSpPr>
+          <p:cNvPr id="35" name="Rectangle 34">
+            <a:extLst>
+              <a:ext uri="{FF2B5EF4-FFF2-40B4-BE49-F238E27FC236}">
+                <a16:creationId xmlns:a16="http://schemas.microsoft.com/office/drawing/2014/main" id="{047C8CCB-F95D-4249-92DD-651249D3535A}"/>
+              </a:ext>
+              <a:ext uri="{C183D7F6-B498-43B3-948B-1728B52AA6E4}">
+                <adec:decorative xmlns:adec="http://schemas.microsoft.com/office/drawing/2017/decorative" val="1"/>
+              </a:ext>
+            </a:extLst>
+          </p:cNvPr>
+          <p:cNvSpPr>
+            <a:spLocks noGrp="1" noRot="1" noChangeAspect="1" noMove="1" noResize="1" noEditPoints="1" noAdjustHandles="1" noChangeArrowheads="1" noChangeShapeType="1" noTextEdit="1"/>
+          </p:cNvSpPr>
+          <p:nvPr>
+            <p:extLst>
+              <p:ext uri="{386F3935-93C4-4BCD-93E2-E3B085C9AB24}">
+                <p16:designElem xmlns:p16="http://schemas.microsoft.com/office/powerpoint/2015/main" val="1"/>
+              </p:ext>
+            </p:extLst>
+          </p:nvPr>
+        </p:nvSpPr>
+        <p:spPr>
+          <a:xfrm>
+            <a:off x="0" y="0"/>
+            <a:ext cx="2013557" cy="6858000"/>
+          </a:xfrm>
+          <a:prstGeom prst="rect">
+            <a:avLst/>
+          </a:prstGeom>
+          <a:solidFill>
+            <a:srgbClr val="6B8866"/>
+          </a:solidFill>
+          <a:ln>
+            <a:noFill/>
+          </a:ln>
+        </p:spPr>
+        <p:style>
+          <a:lnRef idx="2">
+            <a:schemeClr val="accent1">
+              <a:shade val="50000"/>
+            </a:schemeClr>
+          </a:lnRef>
+          <a:fillRef idx="1">
+            <a:schemeClr val="accent1"/>
+          </a:fillRef>
+          <a:effectRef idx="0">
+            <a:schemeClr val="accent1"/>
+          </a:effectRef>
+          <a:fontRef idx="minor">
+            <a:schemeClr val="lt1"/>
+          </a:fontRef>
+        </p:style>
+        <p:txBody>
+          <a:bodyPr rtlCol="0" anchor="ctr"/>
+          <a:lstStyle/>
+          <a:p>
+            <a:pPr algn="ctr"/>
+            <a:endParaRPr lang="en-US"/>
+          </a:p>
+        </p:txBody>
+      </p:sp>
+      <p:sp>
+        <p:nvSpPr>
+          <p:cNvPr id="2" name="Title 1">
+            <a:extLst>
+              <a:ext uri="{FF2B5EF4-FFF2-40B4-BE49-F238E27FC236}">
+                <a16:creationId xmlns:a16="http://schemas.microsoft.com/office/drawing/2014/main" id="{F584F4EA-1F7E-49B6-B448-0AFAB8351DB3}"/>
+              </a:ext>
+            </a:extLst>
+          </p:cNvPr>
+          <p:cNvSpPr>
+            <a:spLocks noGrp="1"/>
+          </p:cNvSpPr>
+          <p:nvPr>
+            <p:ph type="title"/>
+          </p:nvPr>
+        </p:nvSpPr>
+        <p:spPr>
+          <a:xfrm>
+            <a:off x="640080" y="2074363"/>
+            <a:ext cx="2752354" cy="2709275"/>
+          </a:xfrm>
+          <a:prstGeom prst="ellipse">
+            <a:avLst/>
+          </a:prstGeom>
+          <a:solidFill>
+            <a:srgbClr val="262626"/>
+          </a:solidFill>
+          <a:ln w="174625" cmpd="thinThick">
+            <a:solidFill>
+              <a:srgbClr val="262626"/>
+            </a:solidFill>
+          </a:ln>
+        </p:spPr>
+        <p:txBody>
+          <a:bodyPr vert="horz" lIns="91440" tIns="45720" rIns="91440" bIns="45720" rtlCol="0" anchor="ctr">
+            <a:normAutofit/>
+          </a:bodyPr>
+          <a:lstStyle/>
+          <a:p>
+            <a:pPr algn="ctr"/>
+            <a:r>
+              <a:rPr lang="en-US" sz="2600" kern="1200" dirty="0">
+                <a:solidFill>
+                  <a:srgbClr val="FFFFFF"/>
+                </a:solidFill>
+                <a:latin typeface="+mj-lt"/>
+                <a:ea typeface="+mj-ea"/>
+                <a:cs typeface="+mj-cs"/>
+              </a:rPr>
+              <a:t>Colonies Lost Per State, 2015-2018</a:t>
+            </a:r>
+          </a:p>
+        </p:txBody>
+      </p:sp>
       <p:pic>
         <p:nvPicPr>
-          <p:cNvPr id="12" name="slide12">
-            <a:extLst>
-              <a:ext uri="{FF2B5EF4-FFF2-40B4-BE49-F238E27FC236}">
-                <a16:creationId xmlns:a16="http://schemas.microsoft.com/office/drawing/2014/main" id="{960A91D5-1FEE-4B0C-A9B2-4DB908D2E1E8}"/>
+          <p:cNvPr id="5" name="Picture 4">
+            <a:extLst>
+              <a:ext uri="{FF2B5EF4-FFF2-40B4-BE49-F238E27FC236}">
+                <a16:creationId xmlns:a16="http://schemas.microsoft.com/office/drawing/2014/main" id="{CC14A287-3418-4F6B-A9AB-412FCE2F6CEC}"/>
               </a:ext>
             </a:extLst>
           </p:cNvPr>
@@ -5075,21 +5842,15 @@
           <p:nvPr/>
         </p:nvPicPr>
         <p:blipFill>
-          <a:blip r:embed="rId2">
-            <a:extLst>
-              <a:ext uri="{28A0092B-C50C-407E-A947-70E740481C1C}">
-                <a14:useLocalDpi xmlns:a14="http://schemas.microsoft.com/office/drawing/2010/main" val="0"/>
-              </a:ext>
-            </a:extLst>
-          </a:blip>
+          <a:blip r:embed="rId2"/>
           <a:stretch>
             <a:fillRect/>
           </a:stretch>
         </p:blipFill>
         <p:spPr>
           <a:xfrm>
-            <a:off x="2224087" y="719137"/>
-            <a:ext cx="7743825" cy="5419725"/>
+            <a:off x="3672654" y="1206500"/>
+            <a:ext cx="8239125" cy="4648200"/>
           </a:xfrm>
           <a:prstGeom prst="rect">
             <a:avLst/>
@@ -5099,7 +5860,7 @@
     </p:spTree>
     <p:extLst>
       <p:ext uri="{BB962C8B-B14F-4D97-AF65-F5344CB8AC3E}">
-        <p14:creationId xmlns:p14="http://schemas.microsoft.com/office/powerpoint/2010/main" val="95992585"/>
+        <p14:creationId xmlns:p14="http://schemas.microsoft.com/office/powerpoint/2010/main" val="3128593048"/>
       </p:ext>
     </p:extLst>
   </p:cSld>
@@ -5109,9 +5870,17 @@
 </p:sld>
 </file>
 
-<file path=ppt/slides/slide7.xml><?xml version="1.0" encoding="utf-8"?>
+<file path=ppt/slides/slide8.xml><?xml version="1.0" encoding="utf-8"?>
 <p:sld xmlns:a="http://schemas.openxmlformats.org/drawingml/2006/main" xmlns:r="http://schemas.openxmlformats.org/officeDocument/2006/relationships" xmlns:p="http://schemas.openxmlformats.org/presentationml/2006/main">
   <p:cSld>
+    <p:bg>
+      <p:bgPr>
+        <a:solidFill>
+          <a:schemeClr val="bg1"/>
+        </a:solidFill>
+        <a:effectLst/>
+      </p:bgPr>
+    </p:bg>
     <p:spTree>
       <p:nvGrpSpPr>
         <p:cNvPr id="1" name=""/>
@@ -5126,12 +5895,192 @@
           <a:chExt cx="0" cy="0"/>
         </a:xfrm>
       </p:grpSpPr>
+      <p:sp>
+        <p:nvSpPr>
+          <p:cNvPr id="33" name="Rectangle 32">
+            <a:extLst>
+              <a:ext uri="{FF2B5EF4-FFF2-40B4-BE49-F238E27FC236}">
+                <a16:creationId xmlns:a16="http://schemas.microsoft.com/office/drawing/2014/main" id="{6753252F-4873-4F63-801D-CC719279A7D5}"/>
+              </a:ext>
+              <a:ext uri="{C183D7F6-B498-43B3-948B-1728B52AA6E4}">
+                <adec:decorative xmlns:adec="http://schemas.microsoft.com/office/drawing/2017/decorative" val="1"/>
+              </a:ext>
+            </a:extLst>
+          </p:cNvPr>
+          <p:cNvSpPr>
+            <a:spLocks noGrp="1" noRot="1" noChangeAspect="1" noMove="1" noResize="1" noEditPoints="1" noAdjustHandles="1" noChangeArrowheads="1" noChangeShapeType="1" noTextEdit="1"/>
+          </p:cNvSpPr>
+          <p:nvPr>
+            <p:extLst>
+              <p:ext uri="{386F3935-93C4-4BCD-93E2-E3B085C9AB24}">
+                <p16:designElem xmlns:p16="http://schemas.microsoft.com/office/powerpoint/2015/main" val="1"/>
+              </p:ext>
+            </p:extLst>
+          </p:nvPr>
+        </p:nvSpPr>
+        <p:spPr>
+          <a:xfrm>
+            <a:off x="0" y="0"/>
+            <a:ext cx="12192000" cy="6858000"/>
+          </a:xfrm>
+          <a:prstGeom prst="rect">
+            <a:avLst/>
+          </a:prstGeom>
+          <a:solidFill>
+            <a:srgbClr val="FFFFFF"/>
+          </a:solidFill>
+          <a:ln>
+            <a:noFill/>
+          </a:ln>
+        </p:spPr>
+        <p:style>
+          <a:lnRef idx="2">
+            <a:schemeClr val="accent1">
+              <a:shade val="50000"/>
+            </a:schemeClr>
+          </a:lnRef>
+          <a:fillRef idx="1">
+            <a:schemeClr val="accent1"/>
+          </a:fillRef>
+          <a:effectRef idx="0">
+            <a:schemeClr val="accent1"/>
+          </a:effectRef>
+          <a:fontRef idx="minor">
+            <a:schemeClr val="lt1"/>
+          </a:fontRef>
+        </p:style>
+        <p:txBody>
+          <a:bodyPr rtlCol="0" anchor="ctr"/>
+          <a:lstStyle/>
+          <a:p>
+            <a:pPr algn="ctr"/>
+            <a:endParaRPr lang="en-US"/>
+          </a:p>
+        </p:txBody>
+      </p:sp>
+      <p:sp>
+        <p:nvSpPr>
+          <p:cNvPr id="35" name="Rectangle 34">
+            <a:extLst>
+              <a:ext uri="{FF2B5EF4-FFF2-40B4-BE49-F238E27FC236}">
+                <a16:creationId xmlns:a16="http://schemas.microsoft.com/office/drawing/2014/main" id="{047C8CCB-F95D-4249-92DD-651249D3535A}"/>
+              </a:ext>
+              <a:ext uri="{C183D7F6-B498-43B3-948B-1728B52AA6E4}">
+                <adec:decorative xmlns:adec="http://schemas.microsoft.com/office/drawing/2017/decorative" val="1"/>
+              </a:ext>
+            </a:extLst>
+          </p:cNvPr>
+          <p:cNvSpPr>
+            <a:spLocks noGrp="1" noRot="1" noChangeAspect="1" noMove="1" noResize="1" noEditPoints="1" noAdjustHandles="1" noChangeArrowheads="1" noChangeShapeType="1" noTextEdit="1"/>
+          </p:cNvSpPr>
+          <p:nvPr>
+            <p:extLst>
+              <p:ext uri="{386F3935-93C4-4BCD-93E2-E3B085C9AB24}">
+                <p16:designElem xmlns:p16="http://schemas.microsoft.com/office/powerpoint/2015/main" val="1"/>
+              </p:ext>
+            </p:extLst>
+          </p:nvPr>
+        </p:nvSpPr>
+        <p:spPr>
+          <a:xfrm>
+            <a:off x="0" y="0"/>
+            <a:ext cx="2013557" cy="6858000"/>
+          </a:xfrm>
+          <a:prstGeom prst="rect">
+            <a:avLst/>
+          </a:prstGeom>
+          <a:solidFill>
+            <a:srgbClr val="6B8866"/>
+          </a:solidFill>
+          <a:ln>
+            <a:noFill/>
+          </a:ln>
+        </p:spPr>
+        <p:style>
+          <a:lnRef idx="2">
+            <a:schemeClr val="accent1">
+              <a:shade val="50000"/>
+            </a:schemeClr>
+          </a:lnRef>
+          <a:fillRef idx="1">
+            <a:schemeClr val="accent1"/>
+          </a:fillRef>
+          <a:effectRef idx="0">
+            <a:schemeClr val="accent1"/>
+          </a:effectRef>
+          <a:fontRef idx="minor">
+            <a:schemeClr val="lt1"/>
+          </a:fontRef>
+        </p:style>
+        <p:txBody>
+          <a:bodyPr rtlCol="0" anchor="ctr"/>
+          <a:lstStyle/>
+          <a:p>
+            <a:pPr algn="ctr"/>
+            <a:endParaRPr lang="en-US"/>
+          </a:p>
+        </p:txBody>
+      </p:sp>
+      <p:sp>
+        <p:nvSpPr>
+          <p:cNvPr id="2" name="Title 1">
+            <a:extLst>
+              <a:ext uri="{FF2B5EF4-FFF2-40B4-BE49-F238E27FC236}">
+                <a16:creationId xmlns:a16="http://schemas.microsoft.com/office/drawing/2014/main" id="{F584F4EA-1F7E-49B6-B448-0AFAB8351DB3}"/>
+              </a:ext>
+            </a:extLst>
+          </p:cNvPr>
+          <p:cNvSpPr>
+            <a:spLocks noGrp="1"/>
+          </p:cNvSpPr>
+          <p:nvPr>
+            <p:ph type="title"/>
+          </p:nvPr>
+        </p:nvSpPr>
+        <p:spPr>
+          <a:xfrm>
+            <a:off x="640080" y="2074363"/>
+            <a:ext cx="2752354" cy="2709275"/>
+          </a:xfrm>
+          <a:prstGeom prst="ellipse">
+            <a:avLst/>
+          </a:prstGeom>
+          <a:solidFill>
+            <a:srgbClr val="262626"/>
+          </a:solidFill>
+          <a:ln w="174625" cmpd="thinThick">
+            <a:solidFill>
+              <a:srgbClr val="262626"/>
+            </a:solidFill>
+          </a:ln>
+        </p:spPr>
+        <p:txBody>
+          <a:bodyPr vert="horz" lIns="91440" tIns="45720" rIns="91440" bIns="45720" rtlCol="0" anchor="ctr">
+            <a:normAutofit/>
+          </a:bodyPr>
+          <a:lstStyle/>
+          <a:p>
+            <a:pPr algn="ctr"/>
+            <a:r>
+              <a:rPr lang="en-US" sz="2600" kern="1200" dirty="0">
+                <a:solidFill>
+                  <a:srgbClr val="FFFFFF"/>
+                </a:solidFill>
+                <a:latin typeface="+mj-lt"/>
+                <a:ea typeface="+mj-ea"/>
+                <a:cs typeface="+mj-cs"/>
+              </a:rPr>
+              <a:t>Total Colonies Per Region, 2015-2018</a:t>
+            </a:r>
+          </a:p>
+        </p:txBody>
+      </p:sp>
       <p:pic>
         <p:nvPicPr>
-          <p:cNvPr id="13" name="slide13">
-            <a:extLst>
-              <a:ext uri="{FF2B5EF4-FFF2-40B4-BE49-F238E27FC236}">
-                <a16:creationId xmlns:a16="http://schemas.microsoft.com/office/drawing/2014/main" id="{136E9B05-221A-4EE1-9666-AB120891FF7B}"/>
+          <p:cNvPr id="6" name="Picture 5">
+            <a:extLst>
+              <a:ext uri="{FF2B5EF4-FFF2-40B4-BE49-F238E27FC236}">
+                <a16:creationId xmlns:a16="http://schemas.microsoft.com/office/drawing/2014/main" id="{9826173B-19E7-42CD-A329-F3F03AC848F8}"/>
               </a:ext>
             </a:extLst>
           </p:cNvPr>
@@ -5140,22 +6089,15 @@
           </p:cNvPicPr>
           <p:nvPr/>
         </p:nvPicPr>
-        <p:blipFill>
-          <a:blip r:embed="rId2">
-            <a:extLst>
-              <a:ext uri="{28A0092B-C50C-407E-A947-70E740481C1C}">
-                <a14:useLocalDpi xmlns:a14="http://schemas.microsoft.com/office/drawing/2010/main" val="0"/>
-              </a:ext>
-            </a:extLst>
-          </a:blip>
-          <a:stretch>
-            <a:fillRect/>
-          </a:stretch>
+        <p:blipFill rotWithShape="1">
+          <a:blip r:embed="rId2"/>
+          <a:srcRect l="2989" t="4932" r="519" b="2562"/>
+          <a:stretch/>
         </p:blipFill>
         <p:spPr>
           <a:xfrm>
-            <a:off x="2276475" y="719137"/>
-            <a:ext cx="7639050" cy="5419725"/>
+            <a:off x="3628571" y="856342"/>
+            <a:ext cx="8590603" cy="4818744"/>
           </a:xfrm>
           <a:prstGeom prst="rect">
             <a:avLst/>
@@ -5165,7 +6107,7 @@
     </p:spTree>
     <p:extLst>
       <p:ext uri="{BB962C8B-B14F-4D97-AF65-F5344CB8AC3E}">
-        <p14:creationId xmlns:p14="http://schemas.microsoft.com/office/powerpoint/2010/main" val="95992585"/>
+        <p14:creationId xmlns:p14="http://schemas.microsoft.com/office/powerpoint/2010/main" val="2023515040"/>
       </p:ext>
     </p:extLst>
   </p:cSld>
@@ -5175,9 +6117,17 @@
 </p:sld>
 </file>
 
-<file path=ppt/slides/slide8.xml><?xml version="1.0" encoding="utf-8"?>
+<file path=ppt/slides/slide9.xml><?xml version="1.0" encoding="utf-8"?>
 <p:sld xmlns:a="http://schemas.openxmlformats.org/drawingml/2006/main" xmlns:r="http://schemas.openxmlformats.org/officeDocument/2006/relationships" xmlns:p="http://schemas.openxmlformats.org/presentationml/2006/main">
   <p:cSld>
+    <p:bg>
+      <p:bgPr>
+        <a:solidFill>
+          <a:schemeClr val="bg1"/>
+        </a:solidFill>
+        <a:effectLst/>
+      </p:bgPr>
+    </p:bg>
     <p:spTree>
       <p:nvGrpSpPr>
         <p:cNvPr id="1" name=""/>
@@ -5192,12 +6142,197 @@
           <a:chExt cx="0" cy="0"/>
         </a:xfrm>
       </p:grpSpPr>
+      <p:sp>
+        <p:nvSpPr>
+          <p:cNvPr id="33" name="Rectangle 32">
+            <a:extLst>
+              <a:ext uri="{FF2B5EF4-FFF2-40B4-BE49-F238E27FC236}">
+                <a16:creationId xmlns:a16="http://schemas.microsoft.com/office/drawing/2014/main" id="{6753252F-4873-4F63-801D-CC719279A7D5}"/>
+              </a:ext>
+              <a:ext uri="{C183D7F6-B498-43B3-948B-1728B52AA6E4}">
+                <adec:decorative xmlns:adec="http://schemas.microsoft.com/office/drawing/2017/decorative" val="1"/>
+              </a:ext>
+            </a:extLst>
+          </p:cNvPr>
+          <p:cNvSpPr>
+            <a:spLocks noGrp="1" noRot="1" noChangeAspect="1" noMove="1" noResize="1" noEditPoints="1" noAdjustHandles="1" noChangeArrowheads="1" noChangeShapeType="1" noTextEdit="1"/>
+          </p:cNvSpPr>
+          <p:nvPr>
+            <p:extLst>
+              <p:ext uri="{386F3935-93C4-4BCD-93E2-E3B085C9AB24}">
+                <p16:designElem xmlns:p16="http://schemas.microsoft.com/office/powerpoint/2015/main" val="1"/>
+              </p:ext>
+            </p:extLst>
+          </p:nvPr>
+        </p:nvSpPr>
+        <p:spPr>
+          <a:xfrm>
+            <a:off x="0" y="0"/>
+            <a:ext cx="12192000" cy="6858000"/>
+          </a:xfrm>
+          <a:prstGeom prst="rect">
+            <a:avLst/>
+          </a:prstGeom>
+          <a:solidFill>
+            <a:srgbClr val="FFFFFF"/>
+          </a:solidFill>
+          <a:ln>
+            <a:noFill/>
+          </a:ln>
+        </p:spPr>
+        <p:style>
+          <a:lnRef idx="2">
+            <a:schemeClr val="accent1">
+              <a:shade val="50000"/>
+            </a:schemeClr>
+          </a:lnRef>
+          <a:fillRef idx="1">
+            <a:schemeClr val="accent1"/>
+          </a:fillRef>
+          <a:effectRef idx="0">
+            <a:schemeClr val="accent1"/>
+          </a:effectRef>
+          <a:fontRef idx="minor">
+            <a:schemeClr val="lt1"/>
+          </a:fontRef>
+        </p:style>
+        <p:txBody>
+          <a:bodyPr rtlCol="0" anchor="ctr"/>
+          <a:lstStyle/>
+          <a:p>
+            <a:pPr algn="ctr"/>
+            <a:endParaRPr lang="en-US"/>
+          </a:p>
+        </p:txBody>
+      </p:sp>
+      <p:sp>
+        <p:nvSpPr>
+          <p:cNvPr id="35" name="Rectangle 34">
+            <a:extLst>
+              <a:ext uri="{FF2B5EF4-FFF2-40B4-BE49-F238E27FC236}">
+                <a16:creationId xmlns:a16="http://schemas.microsoft.com/office/drawing/2014/main" id="{047C8CCB-F95D-4249-92DD-651249D3535A}"/>
+              </a:ext>
+              <a:ext uri="{C183D7F6-B498-43B3-948B-1728B52AA6E4}">
+                <adec:decorative xmlns:adec="http://schemas.microsoft.com/office/drawing/2017/decorative" val="1"/>
+              </a:ext>
+            </a:extLst>
+          </p:cNvPr>
+          <p:cNvSpPr>
+            <a:spLocks noGrp="1" noRot="1" noChangeAspect="1" noMove="1" noResize="1" noEditPoints="1" noAdjustHandles="1" noChangeArrowheads="1" noChangeShapeType="1" noTextEdit="1"/>
+          </p:cNvSpPr>
+          <p:nvPr>
+            <p:extLst>
+              <p:ext uri="{386F3935-93C4-4BCD-93E2-E3B085C9AB24}">
+                <p16:designElem xmlns:p16="http://schemas.microsoft.com/office/powerpoint/2015/main" val="1"/>
+              </p:ext>
+            </p:extLst>
+          </p:nvPr>
+        </p:nvSpPr>
+        <p:spPr>
+          <a:xfrm>
+            <a:off x="0" y="0"/>
+            <a:ext cx="2013557" cy="6858000"/>
+          </a:xfrm>
+          <a:prstGeom prst="rect">
+            <a:avLst/>
+          </a:prstGeom>
+          <a:solidFill>
+            <a:srgbClr val="6B8866"/>
+          </a:solidFill>
+          <a:ln>
+            <a:noFill/>
+          </a:ln>
+        </p:spPr>
+        <p:style>
+          <a:lnRef idx="2">
+            <a:schemeClr val="accent1">
+              <a:shade val="50000"/>
+            </a:schemeClr>
+          </a:lnRef>
+          <a:fillRef idx="1">
+            <a:schemeClr val="accent1"/>
+          </a:fillRef>
+          <a:effectRef idx="0">
+            <a:schemeClr val="accent1"/>
+          </a:effectRef>
+          <a:fontRef idx="minor">
+            <a:schemeClr val="lt1"/>
+          </a:fontRef>
+        </p:style>
+        <p:txBody>
+          <a:bodyPr rtlCol="0" anchor="ctr"/>
+          <a:lstStyle/>
+          <a:p>
+            <a:pPr algn="ctr"/>
+            <a:endParaRPr lang="en-US"/>
+          </a:p>
+        </p:txBody>
+      </p:sp>
+      <p:sp>
+        <p:nvSpPr>
+          <p:cNvPr id="2" name="Title 1">
+            <a:extLst>
+              <a:ext uri="{FF2B5EF4-FFF2-40B4-BE49-F238E27FC236}">
+                <a16:creationId xmlns:a16="http://schemas.microsoft.com/office/drawing/2014/main" id="{F584F4EA-1F7E-49B6-B448-0AFAB8351DB3}"/>
+              </a:ext>
+            </a:extLst>
+          </p:cNvPr>
+          <p:cNvSpPr>
+            <a:spLocks noGrp="1"/>
+          </p:cNvSpPr>
+          <p:nvPr>
+            <p:ph type="title"/>
+          </p:nvPr>
+        </p:nvSpPr>
+        <p:spPr>
+          <a:xfrm>
+            <a:off x="640080" y="2074363"/>
+            <a:ext cx="2752354" cy="2709275"/>
+          </a:xfrm>
+          <a:prstGeom prst="ellipse">
+            <a:avLst/>
+          </a:prstGeom>
+          <a:solidFill>
+            <a:srgbClr val="262626"/>
+          </a:solidFill>
+          <a:ln w="174625" cmpd="thinThick">
+            <a:solidFill>
+              <a:srgbClr val="262626"/>
+            </a:solidFill>
+          </a:ln>
+        </p:spPr>
+        <p:txBody>
+          <a:bodyPr vert="horz" lIns="91440" tIns="45720" rIns="91440" bIns="45720" rtlCol="0" anchor="ctr">
+            <a:normAutofit/>
+          </a:bodyPr>
+          <a:lstStyle/>
+          <a:p>
+            <a:pPr algn="ctr"/>
+            <a:r>
+              <a:rPr lang="en-US" sz="2600" dirty="0">
+                <a:solidFill>
+                  <a:srgbClr val="FFFFFF"/>
+                </a:solidFill>
+              </a:rPr>
+              <a:t>Total Colonies Per State, 2015-2018</a:t>
+            </a:r>
+            <a:endParaRPr lang="en-US" sz="2600" kern="1200" dirty="0">
+              <a:solidFill>
+                <a:srgbClr val="FFFFFF"/>
+              </a:solidFill>
+              <a:latin typeface="+mj-lt"/>
+              <a:ea typeface="+mj-ea"/>
+              <a:cs typeface="+mj-cs"/>
+            </a:endParaRPr>
+          </a:p>
+        </p:txBody>
+      </p:sp>
       <p:pic>
         <p:nvPicPr>
-          <p:cNvPr id="24" name="slide24">
-            <a:extLst>
-              <a:ext uri="{FF2B5EF4-FFF2-40B4-BE49-F238E27FC236}">
-                <a16:creationId xmlns:a16="http://schemas.microsoft.com/office/drawing/2014/main" id="{08973B4F-1588-441C-B506-ACDB55DA0860}"/>
+          <p:cNvPr id="3" name="Picture 2">
+            <a:extLst>
+              <a:ext uri="{FF2B5EF4-FFF2-40B4-BE49-F238E27FC236}">
+                <a16:creationId xmlns:a16="http://schemas.microsoft.com/office/drawing/2014/main" id="{CD1E1A6F-0E79-44D3-B82A-36DC110D5291}"/>
               </a:ext>
             </a:extLst>
           </p:cNvPr>
@@ -5207,21 +6342,15 @@
           <p:nvPr/>
         </p:nvPicPr>
         <p:blipFill>
-          <a:blip r:embed="rId2">
-            <a:extLst>
-              <a:ext uri="{28A0092B-C50C-407E-A947-70E740481C1C}">
-                <a14:useLocalDpi xmlns:a14="http://schemas.microsoft.com/office/drawing/2010/main" val="0"/>
-              </a:ext>
-            </a:extLst>
-          </a:blip>
+          <a:blip r:embed="rId2"/>
           <a:stretch>
             <a:fillRect/>
           </a:stretch>
         </p:blipFill>
         <p:spPr>
           <a:xfrm>
-            <a:off x="1647825" y="638175"/>
-            <a:ext cx="8896350" cy="5581650"/>
+            <a:off x="3531155" y="1030514"/>
+            <a:ext cx="8433390" cy="4368800"/>
           </a:xfrm>
           <a:prstGeom prst="rect">
             <a:avLst/>
@@ -5231,73 +6360,7 @@
     </p:spTree>
     <p:extLst>
       <p:ext uri="{BB962C8B-B14F-4D97-AF65-F5344CB8AC3E}">
-        <p14:creationId xmlns:p14="http://schemas.microsoft.com/office/powerpoint/2010/main" val="95992585"/>
-      </p:ext>
-    </p:extLst>
-  </p:cSld>
-  <p:clrMapOvr>
-    <a:masterClrMapping/>
-  </p:clrMapOvr>
-</p:sld>
-</file>
-
-<file path=ppt/slides/slide9.xml><?xml version="1.0" encoding="utf-8"?>
-<p:sld xmlns:a="http://schemas.openxmlformats.org/drawingml/2006/main" xmlns:r="http://schemas.openxmlformats.org/officeDocument/2006/relationships" xmlns:p="http://schemas.openxmlformats.org/presentationml/2006/main">
-  <p:cSld>
-    <p:spTree>
-      <p:nvGrpSpPr>
-        <p:cNvPr id="1" name=""/>
-        <p:cNvGrpSpPr/>
-        <p:nvPr/>
-      </p:nvGrpSpPr>
-      <p:grpSpPr>
-        <a:xfrm>
-          <a:off x="0" y="0"/>
-          <a:ext cx="0" cy="0"/>
-          <a:chOff x="0" y="0"/>
-          <a:chExt cx="0" cy="0"/>
-        </a:xfrm>
-      </p:grpSpPr>
-      <p:pic>
-        <p:nvPicPr>
-          <p:cNvPr id="25" name="slide25">
-            <a:extLst>
-              <a:ext uri="{FF2B5EF4-FFF2-40B4-BE49-F238E27FC236}">
-                <a16:creationId xmlns:a16="http://schemas.microsoft.com/office/drawing/2014/main" id="{5C998DC5-593E-4F43-85B5-78480CFD13A7}"/>
-              </a:ext>
-            </a:extLst>
-          </p:cNvPr>
-          <p:cNvPicPr>
-            <a:picLocks noChangeAspect="1"/>
-          </p:cNvPicPr>
-          <p:nvPr/>
-        </p:nvPicPr>
-        <p:blipFill>
-          <a:blip r:embed="rId2">
-            <a:extLst>
-              <a:ext uri="{28A0092B-C50C-407E-A947-70E740481C1C}">
-                <a14:useLocalDpi xmlns:a14="http://schemas.microsoft.com/office/drawing/2010/main" val="0"/>
-              </a:ext>
-            </a:extLst>
-          </a:blip>
-          <a:stretch>
-            <a:fillRect/>
-          </a:stretch>
-        </p:blipFill>
-        <p:spPr>
-          <a:xfrm>
-            <a:off x="1647825" y="638175"/>
-            <a:ext cx="8896350" cy="5581650"/>
-          </a:xfrm>
-          <a:prstGeom prst="rect">
-            <a:avLst/>
-          </a:prstGeom>
-        </p:spPr>
-      </p:pic>
-    </p:spTree>
-    <p:extLst>
-      <p:ext uri="{BB962C8B-B14F-4D97-AF65-F5344CB8AC3E}">
-        <p14:creationId xmlns:p14="http://schemas.microsoft.com/office/powerpoint/2010/main" val="95992585"/>
+        <p14:creationId xmlns:p14="http://schemas.microsoft.com/office/powerpoint/2010/main" val="3852109948"/>
       </p:ext>
     </p:extLst>
   </p:cSld>
